--- a/2020575018.pptx
+++ b/2020575018.pptx
@@ -12,6 +12,7 @@
     <p:sldId id="257" r:id="rId7"/>
     <p:sldId id="258" r:id="rId8"/>
     <p:sldId id="259" r:id="rId9"/>
+    <p:sldId id="260" r:id="rId10"/>
   </p:sldIdLst>
   <p:sldSz cy="5143500" cx="9144000"/>
   <p:notesSz cx="6858000" cy="9144000"/>
@@ -807,7 +808,7 @@
       </p:grpSpPr>
       <p:sp>
         <p:nvSpPr>
-          <p:cNvPr id="57" name="Google Shape;57;g38dbe15d905_0_0:notes"/>
+          <p:cNvPr id="57" name="Google Shape;57;g38dbe15d905_0_5:notes"/>
           <p:cNvSpPr/>
           <p:nvPr>
             <p:ph idx="2" type="sldImg"/>
@@ -842,7 +843,7 @@
       </p:sp>
       <p:sp>
         <p:nvSpPr>
-          <p:cNvPr id="58" name="Google Shape;58;g38dbe15d905_0_0:notes"/>
+          <p:cNvPr id="58" name="Google Shape;58;g38dbe15d905_0_5:notes"/>
           <p:cNvSpPr txBox="1"/>
           <p:nvPr>
             <p:ph idx="1" type="body"/>
@@ -906,7 +907,7 @@
       </p:grpSpPr>
       <p:sp>
         <p:nvSpPr>
-          <p:cNvPr id="63" name="Google Shape;63;g38dbe15d905_0_5:notes"/>
+          <p:cNvPr id="63" name="Google Shape;63;g38dbe15d905_0_21:notes"/>
           <p:cNvSpPr/>
           <p:nvPr>
             <p:ph idx="2" type="sldImg"/>
@@ -941,7 +942,7 @@
       </p:sp>
       <p:sp>
         <p:nvSpPr>
-          <p:cNvPr id="64" name="Google Shape;64;g38dbe15d905_0_5:notes"/>
+          <p:cNvPr id="64" name="Google Shape;64;g38dbe15d905_0_21:notes"/>
           <p:cNvSpPr txBox="1"/>
           <p:nvPr>
             <p:ph idx="1" type="body"/>
@@ -991,7 +992,7 @@
   <p:cSld>
     <p:spTree>
       <p:nvGrpSpPr>
-        <p:cNvPr id="68" name="Shape 68"/>
+        <p:cNvPr id="69" name="Shape 69"/>
         <p:cNvGrpSpPr/>
         <p:nvPr/>
       </p:nvGrpSpPr>
@@ -1005,7 +1006,7 @@
       </p:grpSpPr>
       <p:sp>
         <p:nvSpPr>
-          <p:cNvPr id="69" name="Google Shape;69;g38dbe15d905_0_13:notes"/>
+          <p:cNvPr id="70" name="Google Shape;70;g38dbe15d905_0_0:notes"/>
           <p:cNvSpPr/>
           <p:nvPr>
             <p:ph idx="2" type="sldImg"/>
@@ -1040,7 +1041,106 @@
       </p:sp>
       <p:sp>
         <p:nvSpPr>
-          <p:cNvPr id="70" name="Google Shape;70;g38dbe15d905_0_13:notes"/>
+          <p:cNvPr id="71" name="Google Shape;71;g38dbe15d905_0_0:notes"/>
+          <p:cNvSpPr txBox="1"/>
+          <p:nvPr>
+            <p:ph idx="1" type="body"/>
+          </p:nvPr>
+        </p:nvSpPr>
+        <p:spPr>
+          <a:xfrm>
+            <a:off x="685800" y="4343400"/>
+            <a:ext cx="5486400" cy="4114800"/>
+          </a:xfrm>
+          <a:prstGeom prst="rect">
+            <a:avLst/>
+          </a:prstGeom>
+        </p:spPr>
+        <p:txBody>
+          <a:bodyPr anchorCtr="0" anchor="t" bIns="91425" lIns="91425" spcFirstLastPara="1" rIns="91425" wrap="square" tIns="91425">
+            <a:noAutofit/>
+          </a:bodyPr>
+          <a:lstStyle/>
+          <a:p>
+            <a:pPr indent="0" lvl="0" marL="0" rtl="0" algn="l">
+              <a:spcBef>
+                <a:spcPts val="0"/>
+              </a:spcBef>
+              <a:spcAft>
+                <a:spcPts val="0"/>
+              </a:spcAft>
+              <a:buNone/>
+            </a:pPr>
+            <a:r>
+              <a:t/>
+            </a:r>
+            <a:endParaRPr/>
+          </a:p>
+        </p:txBody>
+      </p:sp>
+    </p:spTree>
+  </p:cSld>
+  <p:clrMapOvr>
+    <a:masterClrMapping/>
+  </p:clrMapOvr>
+</p:notes>
+</file>
+
+<file path=ppt/notesSlides/notesSlide5.xml><?xml version="1.0" encoding="utf-8"?>
+<p:notes xmlns:a="http://schemas.openxmlformats.org/drawingml/2006/main" xmlns:r="http://schemas.openxmlformats.org/officeDocument/2006/relationships" xmlns:mc="http://schemas.openxmlformats.org/markup-compatibility/2006" xmlns:mv="urn:schemas-microsoft-com:mac:vml" xmlns:p="http://schemas.openxmlformats.org/presentationml/2006/main" xmlns:c="http://schemas.openxmlformats.org/drawingml/2006/chart" xmlns:dgm="http://schemas.openxmlformats.org/drawingml/2006/diagram" xmlns:o="urn:schemas-microsoft-com:office:office" xmlns:v="urn:schemas-microsoft-com:vml" xmlns:pvml="urn:schemas-microsoft-com:office:powerpoint" xmlns:com="http://schemas.openxmlformats.org/drawingml/2006/compatibility" xmlns:p14="http://schemas.microsoft.com/office/powerpoint/2010/main" xmlns:p15="http://schemas.microsoft.com/office/powerpoint/2012/main" xmlns:ahyp="http://schemas.microsoft.com/office/drawing/2018/hyperlinkcolor" showMasterPhAnim="0" showMasterSp="0">
+  <p:cSld>
+    <p:spTree>
+      <p:nvGrpSpPr>
+        <p:cNvPr id="76" name="Shape 76"/>
+        <p:cNvGrpSpPr/>
+        <p:nvPr/>
+      </p:nvGrpSpPr>
+      <p:grpSpPr>
+        <a:xfrm>
+          <a:off x="0" y="0"/>
+          <a:ext cx="0" cy="0"/>
+          <a:chOff x="0" y="0"/>
+          <a:chExt cx="0" cy="0"/>
+        </a:xfrm>
+      </p:grpSpPr>
+      <p:sp>
+        <p:nvSpPr>
+          <p:cNvPr id="77" name="Google Shape;77;g38dbe15d905_0_13:notes"/>
+          <p:cNvSpPr/>
+          <p:nvPr>
+            <p:ph idx="2" type="sldImg"/>
+          </p:nvPr>
+        </p:nvSpPr>
+        <p:spPr>
+          <a:xfrm>
+            <a:off x="381300" y="685800"/>
+            <a:ext cx="6096000" cy="3429000"/>
+          </a:xfrm>
+          <a:custGeom>
+            <a:rect b="b" l="l" r="r" t="t"/>
+            <a:pathLst>
+              <a:path extrusionOk="0" h="120000" w="120000">
+                <a:moveTo>
+                  <a:pt x="0" y="0"/>
+                </a:moveTo>
+                <a:lnTo>
+                  <a:pt x="120000" y="0"/>
+                </a:lnTo>
+                <a:lnTo>
+                  <a:pt x="120000" y="120000"/>
+                </a:lnTo>
+                <a:lnTo>
+                  <a:pt x="0" y="120000"/>
+                </a:lnTo>
+                <a:close/>
+              </a:path>
+            </a:pathLst>
+          </a:custGeom>
+        </p:spPr>
+      </p:sp>
+      <p:sp>
+        <p:nvSpPr>
+          <p:cNvPr id="78" name="Google Shape;78;g38dbe15d905_0_13:notes"/>
           <p:cNvSpPr txBox="1"/>
           <p:nvPr>
             <p:ph idx="1" type="body"/>
@@ -5888,7 +5988,8 @@
               <a:buNone/>
             </a:pPr>
             <a:r>
-              <a:t/>
+              <a:rPr lang="ko"/>
+              <a:t>원본</a:t>
             </a:r>
             <a:endParaRPr/>
           </a:p>
@@ -5905,7 +6006,7 @@
         <p:spPr>
           <a:xfrm>
             <a:off x="311700" y="1152475"/>
-            <a:ext cx="8520600" cy="3416400"/>
+            <a:ext cx="2854200" cy="3416400"/>
           </a:xfrm>
           <a:prstGeom prst="rect">
             <a:avLst/>
@@ -5913,7 +6014,7 @@
         </p:spPr>
         <p:txBody>
           <a:bodyPr anchorCtr="0" anchor="t" bIns="91425" lIns="91425" spcFirstLastPara="1" rIns="91425" wrap="square" tIns="91425">
-            <a:normAutofit/>
+            <a:normAutofit fontScale="25000" lnSpcReduction="20000"/>
           </a:bodyPr>
           <a:lstStyle/>
           <a:p>
@@ -5924,43 +6025,1247 @@
               <a:spcAft>
                 <a:spcPts val="0"/>
               </a:spcAft>
-              <a:buNone/>
-            </a:pPr>
-            <a:r>
-              <a:rPr lang="ko"/>
-              <a:t>콤마 출력(입력받은 숫자 보기 편하게)</a:t>
-            </a:r>
-            <a:endParaRPr/>
-          </a:p>
-          <a:p>
-            <a:pPr indent="0" lvl="0" marL="0" rtl="0" algn="l">
-              <a:spcBef>
-                <a:spcPts val="1200"/>
-              </a:spcBef>
-              <a:spcAft>
-                <a:spcPts val="0"/>
-              </a:spcAft>
-              <a:buNone/>
-            </a:pPr>
-            <a:r>
-              <a:rPr lang="ko"/>
-              <a:t>한글 금액 출력</a:t>
-            </a:r>
-            <a:endParaRPr/>
-          </a:p>
-          <a:p>
-            <a:pPr indent="0" lvl="0" marL="0" rtl="0" algn="l">
-              <a:spcBef>
-                <a:spcPts val="1200"/>
-              </a:spcBef>
-              <a:spcAft>
-                <a:spcPts val="1200"/>
-              </a:spcAft>
-              <a:buNone/>
-            </a:pPr>
-            <a:r>
-              <a:rPr lang="ko"/>
-              <a:t>음수/잘못된 값 입력시 에러 표시</a:t>
+              <a:buClr>
+                <a:schemeClr val="dk1"/>
+              </a:buClr>
+              <a:buSzPct val="39285"/>
+              <a:buFont typeface="Arial"/>
+              <a:buNone/>
+            </a:pPr>
+            <a:r>
+              <a:rPr lang="ko" sz="2800">
+                <a:solidFill>
+                  <a:schemeClr val="dk1"/>
+                </a:solidFill>
+              </a:rPr>
+              <a:t>#include &lt;stdio.h&gt;</a:t>
+            </a:r>
+            <a:endParaRPr sz="2800">
+              <a:solidFill>
+                <a:schemeClr val="dk1"/>
+              </a:solidFill>
+            </a:endParaRPr>
+          </a:p>
+          <a:p>
+            <a:pPr indent="0" lvl="0" marL="0" rtl="0" algn="l">
+              <a:spcBef>
+                <a:spcPts val="1200"/>
+              </a:spcBef>
+              <a:spcAft>
+                <a:spcPts val="0"/>
+              </a:spcAft>
+              <a:buClr>
+                <a:schemeClr val="dk1"/>
+              </a:buClr>
+              <a:buSzPct val="39285"/>
+              <a:buFont typeface="Arial"/>
+              <a:buNone/>
+            </a:pPr>
+            <a:r>
+              <a:rPr lang="ko" sz="2800">
+                <a:solidFill>
+                  <a:schemeClr val="dk1"/>
+                </a:solidFill>
+              </a:rPr>
+              <a:t>void number_to_hangul(unsigned long money);</a:t>
+            </a:r>
+            <a:endParaRPr sz="2800">
+              <a:solidFill>
+                <a:schemeClr val="dk1"/>
+              </a:solidFill>
+            </a:endParaRPr>
+          </a:p>
+          <a:p>
+            <a:pPr indent="0" lvl="0" marL="0" rtl="0" algn="l">
+              <a:spcBef>
+                <a:spcPts val="1200"/>
+              </a:spcBef>
+              <a:spcAft>
+                <a:spcPts val="0"/>
+              </a:spcAft>
+              <a:buClr>
+                <a:schemeClr val="dk1"/>
+              </a:buClr>
+              <a:buSzPct val="39285"/>
+              <a:buFont typeface="Arial"/>
+              <a:buNone/>
+            </a:pPr>
+            <a:r>
+              <a:t/>
+            </a:r>
+            <a:endParaRPr sz="2800">
+              <a:solidFill>
+                <a:schemeClr val="dk1"/>
+              </a:solidFill>
+            </a:endParaRPr>
+          </a:p>
+          <a:p>
+            <a:pPr indent="0" lvl="0" marL="0" rtl="0" algn="l">
+              <a:spcBef>
+                <a:spcPts val="1200"/>
+              </a:spcBef>
+              <a:spcAft>
+                <a:spcPts val="0"/>
+              </a:spcAft>
+              <a:buClr>
+                <a:schemeClr val="dk1"/>
+              </a:buClr>
+              <a:buSzPct val="39285"/>
+              <a:buFont typeface="Arial"/>
+              <a:buNone/>
+            </a:pPr>
+            <a:r>
+              <a:rPr lang="ko" sz="2800">
+                <a:solidFill>
+                  <a:schemeClr val="dk1"/>
+                </a:solidFill>
+              </a:rPr>
+              <a:t>int main(void)</a:t>
+            </a:r>
+            <a:endParaRPr sz="2800">
+              <a:solidFill>
+                <a:schemeClr val="dk1"/>
+              </a:solidFill>
+            </a:endParaRPr>
+          </a:p>
+          <a:p>
+            <a:pPr indent="0" lvl="0" marL="0" rtl="0" algn="l">
+              <a:spcBef>
+                <a:spcPts val="1200"/>
+              </a:spcBef>
+              <a:spcAft>
+                <a:spcPts val="0"/>
+              </a:spcAft>
+              <a:buClr>
+                <a:schemeClr val="dk1"/>
+              </a:buClr>
+              <a:buSzPct val="39285"/>
+              <a:buFont typeface="Arial"/>
+              <a:buNone/>
+            </a:pPr>
+            <a:r>
+              <a:rPr lang="ko" sz="2800">
+                <a:solidFill>
+                  <a:schemeClr val="dk1"/>
+                </a:solidFill>
+              </a:rPr>
+              <a:t>{</a:t>
+            </a:r>
+            <a:endParaRPr sz="2800">
+              <a:solidFill>
+                <a:schemeClr val="dk1"/>
+              </a:solidFill>
+            </a:endParaRPr>
+          </a:p>
+          <a:p>
+            <a:pPr indent="0" lvl="0" marL="0" rtl="0" algn="l">
+              <a:spcBef>
+                <a:spcPts val="1200"/>
+              </a:spcBef>
+              <a:spcAft>
+                <a:spcPts val="0"/>
+              </a:spcAft>
+              <a:buClr>
+                <a:schemeClr val="dk1"/>
+              </a:buClr>
+              <a:buSzPct val="39285"/>
+              <a:buFont typeface="Arial"/>
+              <a:buNone/>
+            </a:pPr>
+            <a:r>
+              <a:rPr lang="ko" sz="2800">
+                <a:solidFill>
+                  <a:schemeClr val="dk1"/>
+                </a:solidFill>
+              </a:rPr>
+              <a:t>	unsigned long money;</a:t>
+            </a:r>
+            <a:endParaRPr sz="2800">
+              <a:solidFill>
+                <a:schemeClr val="dk1"/>
+              </a:solidFill>
+            </a:endParaRPr>
+          </a:p>
+          <a:p>
+            <a:pPr indent="0" lvl="0" marL="0" rtl="0" algn="l">
+              <a:spcBef>
+                <a:spcPts val="1200"/>
+              </a:spcBef>
+              <a:spcAft>
+                <a:spcPts val="0"/>
+              </a:spcAft>
+              <a:buClr>
+                <a:schemeClr val="dk1"/>
+              </a:buClr>
+              <a:buSzPct val="39285"/>
+              <a:buFont typeface="Arial"/>
+              <a:buNone/>
+            </a:pPr>
+            <a:r>
+              <a:rPr lang="ko" sz="2800">
+                <a:solidFill>
+                  <a:schemeClr val="dk1"/>
+                </a:solidFill>
+              </a:rPr>
+              <a:t>	printf("금액을 입력하고 Enter&gt;");</a:t>
+            </a:r>
+            <a:endParaRPr sz="2800">
+              <a:solidFill>
+                <a:schemeClr val="dk1"/>
+              </a:solidFill>
+            </a:endParaRPr>
+          </a:p>
+          <a:p>
+            <a:pPr indent="0" lvl="0" marL="0" rtl="0" algn="l">
+              <a:spcBef>
+                <a:spcPts val="1200"/>
+              </a:spcBef>
+              <a:spcAft>
+                <a:spcPts val="0"/>
+              </a:spcAft>
+              <a:buClr>
+                <a:schemeClr val="dk1"/>
+              </a:buClr>
+              <a:buSzPct val="39285"/>
+              <a:buFont typeface="Arial"/>
+              <a:buNone/>
+            </a:pPr>
+            <a:r>
+              <a:rPr lang="ko" sz="2800">
+                <a:solidFill>
+                  <a:schemeClr val="dk1"/>
+                </a:solidFill>
+              </a:rPr>
+              <a:t>	scanf("%ld", &amp;money);</a:t>
+            </a:r>
+            <a:endParaRPr sz="2800">
+              <a:solidFill>
+                <a:schemeClr val="dk1"/>
+              </a:solidFill>
+            </a:endParaRPr>
+          </a:p>
+          <a:p>
+            <a:pPr indent="0" lvl="0" marL="0" rtl="0" algn="l">
+              <a:spcBef>
+                <a:spcPts val="1200"/>
+              </a:spcBef>
+              <a:spcAft>
+                <a:spcPts val="0"/>
+              </a:spcAft>
+              <a:buClr>
+                <a:schemeClr val="dk1"/>
+              </a:buClr>
+              <a:buSzPct val="39285"/>
+              <a:buFont typeface="Arial"/>
+              <a:buNone/>
+            </a:pPr>
+            <a:r>
+              <a:rPr lang="ko" sz="2800">
+                <a:solidFill>
+                  <a:schemeClr val="dk1"/>
+                </a:solidFill>
+              </a:rPr>
+              <a:t>	printf("\n화폐단위\n");</a:t>
+            </a:r>
+            <a:endParaRPr sz="2800">
+              <a:solidFill>
+                <a:schemeClr val="dk1"/>
+              </a:solidFill>
+            </a:endParaRPr>
+          </a:p>
+          <a:p>
+            <a:pPr indent="0" lvl="0" marL="0" rtl="0" algn="l">
+              <a:spcBef>
+                <a:spcPts val="1200"/>
+              </a:spcBef>
+              <a:spcAft>
+                <a:spcPts val="0"/>
+              </a:spcAft>
+              <a:buClr>
+                <a:schemeClr val="dk1"/>
+              </a:buClr>
+              <a:buSzPct val="39285"/>
+              <a:buFont typeface="Arial"/>
+              <a:buNone/>
+            </a:pPr>
+            <a:r>
+              <a:rPr lang="ko" sz="2800">
+                <a:solidFill>
+                  <a:schemeClr val="dk1"/>
+                </a:solidFill>
+              </a:rPr>
+              <a:t>	number_to_hangul(money);</a:t>
+            </a:r>
+            <a:endParaRPr sz="2800">
+              <a:solidFill>
+                <a:schemeClr val="dk1"/>
+              </a:solidFill>
+            </a:endParaRPr>
+          </a:p>
+          <a:p>
+            <a:pPr indent="0" lvl="0" marL="0" rtl="0" algn="l">
+              <a:spcBef>
+                <a:spcPts val="1200"/>
+              </a:spcBef>
+              <a:spcAft>
+                <a:spcPts val="0"/>
+              </a:spcAft>
+              <a:buClr>
+                <a:schemeClr val="dk1"/>
+              </a:buClr>
+              <a:buSzPct val="39285"/>
+              <a:buFont typeface="Arial"/>
+              <a:buNone/>
+            </a:pPr>
+            <a:r>
+              <a:rPr lang="ko" sz="2800">
+                <a:solidFill>
+                  <a:schemeClr val="dk1"/>
+                </a:solidFill>
+              </a:rPr>
+              <a:t>	return 0;</a:t>
+            </a:r>
+            <a:endParaRPr sz="2800">
+              <a:solidFill>
+                <a:schemeClr val="dk1"/>
+              </a:solidFill>
+            </a:endParaRPr>
+          </a:p>
+          <a:p>
+            <a:pPr indent="0" lvl="0" marL="0" rtl="0" algn="l">
+              <a:spcBef>
+                <a:spcPts val="1200"/>
+              </a:spcBef>
+              <a:spcAft>
+                <a:spcPts val="0"/>
+              </a:spcAft>
+              <a:buClr>
+                <a:schemeClr val="dk1"/>
+              </a:buClr>
+              <a:buSzPct val="39285"/>
+              <a:buFont typeface="Arial"/>
+              <a:buNone/>
+            </a:pPr>
+            <a:r>
+              <a:rPr lang="ko" sz="2800">
+                <a:solidFill>
+                  <a:schemeClr val="dk1"/>
+                </a:solidFill>
+              </a:rPr>
+              <a:t>}</a:t>
+            </a:r>
+            <a:endParaRPr sz="2800">
+              <a:solidFill>
+                <a:schemeClr val="dk1"/>
+              </a:solidFill>
+            </a:endParaRPr>
+          </a:p>
+          <a:p>
+            <a:pPr indent="0" lvl="0" marL="0" rtl="0" algn="l">
+              <a:spcBef>
+                <a:spcPts val="1200"/>
+              </a:spcBef>
+              <a:spcAft>
+                <a:spcPts val="0"/>
+              </a:spcAft>
+              <a:buClr>
+                <a:schemeClr val="dk1"/>
+              </a:buClr>
+              <a:buSzPct val="39285"/>
+              <a:buFont typeface="Arial"/>
+              <a:buNone/>
+            </a:pPr>
+            <a:r>
+              <a:t/>
+            </a:r>
+            <a:endParaRPr sz="2800">
+              <a:solidFill>
+                <a:schemeClr val="dk1"/>
+              </a:solidFill>
+            </a:endParaRPr>
+          </a:p>
+          <a:p>
+            <a:pPr indent="0" lvl="0" marL="0" rtl="0" algn="l">
+              <a:spcBef>
+                <a:spcPts val="1200"/>
+              </a:spcBef>
+              <a:spcAft>
+                <a:spcPts val="0"/>
+              </a:spcAft>
+              <a:buClr>
+                <a:schemeClr val="dk1"/>
+              </a:buClr>
+              <a:buSzPct val="39285"/>
+              <a:buFont typeface="Arial"/>
+              <a:buNone/>
+            </a:pPr>
+            <a:r>
+              <a:rPr lang="ko" sz="2800">
+                <a:solidFill>
+                  <a:schemeClr val="dk1"/>
+                </a:solidFill>
+              </a:rPr>
+              <a:t>void number_to_hangul(unsigned long money)</a:t>
+            </a:r>
+            <a:endParaRPr sz="2800">
+              <a:solidFill>
+                <a:schemeClr val="dk1"/>
+              </a:solidFill>
+            </a:endParaRPr>
+          </a:p>
+          <a:p>
+            <a:pPr indent="0" lvl="0" marL="0" rtl="0" algn="l">
+              <a:spcBef>
+                <a:spcPts val="1200"/>
+              </a:spcBef>
+              <a:spcAft>
+                <a:spcPts val="0"/>
+              </a:spcAft>
+              <a:buClr>
+                <a:schemeClr val="dk1"/>
+              </a:buClr>
+              <a:buSzPct val="39285"/>
+              <a:buFont typeface="Arial"/>
+              <a:buNone/>
+            </a:pPr>
+            <a:r>
+              <a:rPr lang="ko" sz="2800">
+                <a:solidFill>
+                  <a:schemeClr val="dk1"/>
+                </a:solidFill>
+              </a:rPr>
+              <a:t>{</a:t>
+            </a:r>
+            <a:endParaRPr sz="2800">
+              <a:solidFill>
+                <a:schemeClr val="dk1"/>
+              </a:solidFill>
+            </a:endParaRPr>
+          </a:p>
+          <a:p>
+            <a:pPr indent="0" lvl="0" marL="0" rtl="0" algn="l">
+              <a:spcBef>
+                <a:spcPts val="1200"/>
+              </a:spcBef>
+              <a:spcAft>
+                <a:spcPts val="0"/>
+              </a:spcAft>
+              <a:buClr>
+                <a:schemeClr val="dk1"/>
+              </a:buClr>
+              <a:buSzPct val="39285"/>
+              <a:buFont typeface="Arial"/>
+              <a:buNone/>
+            </a:pPr>
+            <a:r>
+              <a:rPr lang="ko" sz="2800">
+                <a:solidFill>
+                  <a:schemeClr val="dk1"/>
+                </a:solidFill>
+              </a:rPr>
+              <a:t>  //[함수 11.5.1]의 정의부분 참고</a:t>
+            </a:r>
+            <a:endParaRPr sz="2800">
+              <a:solidFill>
+                <a:schemeClr val="dk1"/>
+              </a:solidFill>
+            </a:endParaRPr>
+          </a:p>
+          <a:p>
+            <a:pPr indent="0" lvl="0" marL="0" rtl="0" algn="l">
+              <a:spcBef>
+                <a:spcPts val="1200"/>
+              </a:spcBef>
+              <a:spcAft>
+                <a:spcPts val="0"/>
+              </a:spcAft>
+              <a:buClr>
+                <a:schemeClr val="dk1"/>
+              </a:buClr>
+              <a:buSzPct val="39285"/>
+              <a:buFont typeface="Arial"/>
+              <a:buNone/>
+            </a:pPr>
+            <a:r>
+              <a:rPr lang="ko" sz="2800">
+                <a:solidFill>
+                  <a:schemeClr val="dk1"/>
+                </a:solidFill>
+              </a:rPr>
+              <a:t>   unsigned long num1, num2, temp;</a:t>
+            </a:r>
+            <a:endParaRPr sz="2800">
+              <a:solidFill>
+                <a:schemeClr val="dk1"/>
+              </a:solidFill>
+            </a:endParaRPr>
+          </a:p>
+          <a:p>
+            <a:pPr indent="0" lvl="0" marL="0" rtl="0" algn="l">
+              <a:spcBef>
+                <a:spcPts val="1200"/>
+              </a:spcBef>
+              <a:spcAft>
+                <a:spcPts val="0"/>
+              </a:spcAft>
+              <a:buClr>
+                <a:schemeClr val="dk1"/>
+              </a:buClr>
+              <a:buSzPct val="39285"/>
+              <a:buFont typeface="Arial"/>
+              <a:buNone/>
+            </a:pPr>
+            <a:r>
+              <a:rPr lang="ko" sz="2800">
+                <a:solidFill>
+                  <a:schemeClr val="dk1"/>
+                </a:solidFill>
+              </a:rPr>
+              <a:t>   unsigned long m_unit[]={100000000, 10000, 1};</a:t>
+            </a:r>
+            <a:endParaRPr sz="2800">
+              <a:solidFill>
+                <a:schemeClr val="dk1"/>
+              </a:solidFill>
+            </a:endParaRPr>
+          </a:p>
+          <a:p>
+            <a:pPr indent="0" lvl="0" marL="0" rtl="0" algn="l">
+              <a:spcBef>
+                <a:spcPts val="1200"/>
+              </a:spcBef>
+              <a:spcAft>
+                <a:spcPts val="0"/>
+              </a:spcAft>
+              <a:buClr>
+                <a:schemeClr val="dk1"/>
+              </a:buClr>
+              <a:buSzPct val="39285"/>
+              <a:buFont typeface="Arial"/>
+              <a:buNone/>
+            </a:pPr>
+            <a:r>
+              <a:rPr lang="ko" sz="2800">
+                <a:solidFill>
+                  <a:schemeClr val="dk1"/>
+                </a:solidFill>
+              </a:rPr>
+              <a:t>   unsigned long m_unit01[]={1000, 100, 10};</a:t>
+            </a:r>
+            <a:endParaRPr sz="2800">
+              <a:solidFill>
+                <a:schemeClr val="dk1"/>
+              </a:solidFill>
+            </a:endParaRPr>
+          </a:p>
+          <a:p>
+            <a:pPr indent="0" lvl="0" marL="0" rtl="0" algn="l">
+              <a:spcBef>
+                <a:spcPts val="1200"/>
+              </a:spcBef>
+              <a:spcAft>
+                <a:spcPts val="0"/>
+              </a:spcAft>
+              <a:buClr>
+                <a:schemeClr val="dk1"/>
+              </a:buClr>
+              <a:buSzPct val="39285"/>
+              <a:buFont typeface="Arial"/>
+              <a:buNone/>
+            </a:pPr>
+            <a:r>
+              <a:rPr lang="ko" sz="2800">
+                <a:solidFill>
+                  <a:schemeClr val="dk1"/>
+                </a:solidFill>
+              </a:rPr>
+              <a:t>   int i, j;</a:t>
+            </a:r>
+            <a:endParaRPr sz="2800">
+              <a:solidFill>
+                <a:schemeClr val="dk1"/>
+              </a:solidFill>
+            </a:endParaRPr>
+          </a:p>
+          <a:p>
+            <a:pPr indent="0" lvl="0" marL="0" rtl="0" algn="l">
+              <a:spcBef>
+                <a:spcPts val="1200"/>
+              </a:spcBef>
+              <a:spcAft>
+                <a:spcPts val="0"/>
+              </a:spcAft>
+              <a:buClr>
+                <a:schemeClr val="dk1"/>
+              </a:buClr>
+              <a:buSzPct val="39285"/>
+              <a:buFont typeface="Arial"/>
+              <a:buNone/>
+            </a:pPr>
+            <a:r>
+              <a:rPr lang="ko" sz="2800">
+                <a:solidFill>
+                  <a:schemeClr val="dk1"/>
+                </a:solidFill>
+              </a:rPr>
+              <a:t>   char *unit01[]={"억", "만", "원"};</a:t>
+            </a:r>
+            <a:endParaRPr sz="2800">
+              <a:solidFill>
+                <a:schemeClr val="dk1"/>
+              </a:solidFill>
+            </a:endParaRPr>
+          </a:p>
+          <a:p>
+            <a:pPr indent="0" lvl="0" marL="0" rtl="0" algn="l">
+              <a:spcBef>
+                <a:spcPts val="1200"/>
+              </a:spcBef>
+              <a:spcAft>
+                <a:spcPts val="0"/>
+              </a:spcAft>
+              <a:buClr>
+                <a:schemeClr val="dk1"/>
+              </a:buClr>
+              <a:buSzPct val="39285"/>
+              <a:buFont typeface="Arial"/>
+              <a:buNone/>
+            </a:pPr>
+            <a:r>
+              <a:rPr lang="ko" sz="2800">
+                <a:solidFill>
+                  <a:schemeClr val="dk1"/>
+                </a:solidFill>
+              </a:rPr>
+              <a:t>   char *unit02[]={"천", "백", "십"};</a:t>
+            </a:r>
+            <a:endParaRPr sz="2800">
+              <a:solidFill>
+                <a:schemeClr val="dk1"/>
+              </a:solidFill>
+            </a:endParaRPr>
+          </a:p>
+          <a:p>
+            <a:pPr indent="0" lvl="0" marL="0" rtl="0" algn="l">
+              <a:spcBef>
+                <a:spcPts val="1200"/>
+              </a:spcBef>
+              <a:spcAft>
+                <a:spcPts val="0"/>
+              </a:spcAft>
+              <a:buClr>
+                <a:schemeClr val="dk1"/>
+              </a:buClr>
+              <a:buSzPct val="39285"/>
+              <a:buFont typeface="Arial"/>
+              <a:buNone/>
+            </a:pPr>
+            <a:r>
+              <a:rPr lang="ko" sz="2800">
+                <a:solidFill>
+                  <a:schemeClr val="dk1"/>
+                </a:solidFill>
+              </a:rPr>
+              <a:t>   char *unit03[]={"  ", "일", "이", "삼", "사", "오", </a:t>
+            </a:r>
+            <a:endParaRPr sz="2800">
+              <a:solidFill>
+                <a:schemeClr val="dk1"/>
+              </a:solidFill>
+            </a:endParaRPr>
+          </a:p>
+          <a:p>
+            <a:pPr indent="0" lvl="0" marL="0" rtl="0" algn="l">
+              <a:spcBef>
+                <a:spcPts val="1200"/>
+              </a:spcBef>
+              <a:spcAft>
+                <a:spcPts val="0"/>
+              </a:spcAft>
+              <a:buClr>
+                <a:schemeClr val="dk1"/>
+              </a:buClr>
+              <a:buSzPct val="39285"/>
+              <a:buFont typeface="Arial"/>
+              <a:buNone/>
+            </a:pPr>
+            <a:r>
+              <a:rPr lang="ko" sz="2800">
+                <a:solidFill>
+                  <a:schemeClr val="dk1"/>
+                </a:solidFill>
+              </a:rPr>
+              <a:t>                        "육", "칠", "팔", "구"};</a:t>
+            </a:r>
+            <a:endParaRPr sz="2800">
+              <a:solidFill>
+                <a:schemeClr val="dk1"/>
+              </a:solidFill>
+            </a:endParaRPr>
+          </a:p>
+          <a:p>
+            <a:pPr indent="0" lvl="0" marL="0" rtl="0" algn="l">
+              <a:spcBef>
+                <a:spcPts val="1200"/>
+              </a:spcBef>
+              <a:spcAft>
+                <a:spcPts val="0"/>
+              </a:spcAft>
+              <a:buClr>
+                <a:schemeClr val="dk1"/>
+              </a:buClr>
+              <a:buSzPct val="39285"/>
+              <a:buFont typeface="Arial"/>
+              <a:buNone/>
+            </a:pPr>
+            <a:r>
+              <a:rPr lang="ko" sz="2800">
+                <a:solidFill>
+                  <a:schemeClr val="dk1"/>
+                </a:solidFill>
+              </a:rPr>
+              <a:t>   for(i=0; i&lt;3; i++)</a:t>
+            </a:r>
+            <a:endParaRPr sz="2800">
+              <a:solidFill>
+                <a:schemeClr val="dk1"/>
+              </a:solidFill>
+            </a:endParaRPr>
+          </a:p>
+          <a:p>
+            <a:pPr indent="0" lvl="0" marL="0" rtl="0" algn="l">
+              <a:spcBef>
+                <a:spcPts val="1200"/>
+              </a:spcBef>
+              <a:spcAft>
+                <a:spcPts val="0"/>
+              </a:spcAft>
+              <a:buClr>
+                <a:schemeClr val="dk1"/>
+              </a:buClr>
+              <a:buSzPct val="39285"/>
+              <a:buFont typeface="Arial"/>
+              <a:buNone/>
+            </a:pPr>
+            <a:r>
+              <a:rPr lang="ko" sz="2800">
+                <a:solidFill>
+                  <a:schemeClr val="dk1"/>
+                </a:solidFill>
+              </a:rPr>
+              <a:t>   {</a:t>
+            </a:r>
+            <a:endParaRPr sz="2800">
+              <a:solidFill>
+                <a:schemeClr val="dk1"/>
+              </a:solidFill>
+            </a:endParaRPr>
+          </a:p>
+          <a:p>
+            <a:pPr indent="0" lvl="0" marL="0" rtl="0" algn="l">
+              <a:spcBef>
+                <a:spcPts val="1200"/>
+              </a:spcBef>
+              <a:spcAft>
+                <a:spcPts val="0"/>
+              </a:spcAft>
+              <a:buClr>
+                <a:schemeClr val="dk1"/>
+              </a:buClr>
+              <a:buSzPct val="39285"/>
+              <a:buFont typeface="Arial"/>
+              <a:buNone/>
+            </a:pPr>
+            <a:r>
+              <a:rPr lang="ko" sz="2800">
+                <a:solidFill>
+                  <a:schemeClr val="dk1"/>
+                </a:solidFill>
+              </a:rPr>
+              <a:t>      num1=money/m_unit[i];</a:t>
+            </a:r>
+            <a:endParaRPr sz="2800">
+              <a:solidFill>
+                <a:schemeClr val="dk1"/>
+              </a:solidFill>
+            </a:endParaRPr>
+          </a:p>
+          <a:p>
+            <a:pPr indent="0" lvl="0" marL="0" rtl="0" algn="l">
+              <a:spcBef>
+                <a:spcPts val="1200"/>
+              </a:spcBef>
+              <a:spcAft>
+                <a:spcPts val="0"/>
+              </a:spcAft>
+              <a:buClr>
+                <a:schemeClr val="dk1"/>
+              </a:buClr>
+              <a:buSzPct val="39285"/>
+              <a:buFont typeface="Arial"/>
+              <a:buNone/>
+            </a:pPr>
+            <a:r>
+              <a:rPr lang="ko" sz="2800">
+                <a:solidFill>
+                  <a:schemeClr val="dk1"/>
+                </a:solidFill>
+              </a:rPr>
+              <a:t>      if(!num1)</a:t>
+            </a:r>
+            <a:endParaRPr sz="2800">
+              <a:solidFill>
+                <a:schemeClr val="dk1"/>
+              </a:solidFill>
+            </a:endParaRPr>
+          </a:p>
+          <a:p>
+            <a:pPr indent="0" lvl="0" marL="0" rtl="0" algn="l">
+              <a:spcBef>
+                <a:spcPts val="1200"/>
+              </a:spcBef>
+              <a:spcAft>
+                <a:spcPts val="0"/>
+              </a:spcAft>
+              <a:buClr>
+                <a:schemeClr val="dk1"/>
+              </a:buClr>
+              <a:buSzPct val="39285"/>
+              <a:buFont typeface="Arial"/>
+              <a:buNone/>
+            </a:pPr>
+            <a:r>
+              <a:rPr lang="ko" sz="2800">
+                <a:solidFill>
+                  <a:schemeClr val="dk1"/>
+                </a:solidFill>
+              </a:rPr>
+              <a:t>          continue;</a:t>
+            </a:r>
+            <a:endParaRPr sz="2800">
+              <a:solidFill>
+                <a:schemeClr val="dk1"/>
+              </a:solidFill>
+            </a:endParaRPr>
+          </a:p>
+          <a:p>
+            <a:pPr indent="0" lvl="0" marL="0" rtl="0" algn="l">
+              <a:spcBef>
+                <a:spcPts val="1200"/>
+              </a:spcBef>
+              <a:spcAft>
+                <a:spcPts val="0"/>
+              </a:spcAft>
+              <a:buClr>
+                <a:schemeClr val="dk1"/>
+              </a:buClr>
+              <a:buSzPct val="39285"/>
+              <a:buFont typeface="Arial"/>
+              <a:buNone/>
+            </a:pPr>
+            <a:r>
+              <a:rPr lang="ko" sz="2800">
+                <a:solidFill>
+                  <a:schemeClr val="dk1"/>
+                </a:solidFill>
+              </a:rPr>
+              <a:t>      temp=num1;</a:t>
+            </a:r>
+            <a:endParaRPr sz="2800">
+              <a:solidFill>
+                <a:schemeClr val="dk1"/>
+              </a:solidFill>
+            </a:endParaRPr>
+          </a:p>
+          <a:p>
+            <a:pPr indent="0" lvl="0" marL="0" rtl="0" algn="l">
+              <a:spcBef>
+                <a:spcPts val="1200"/>
+              </a:spcBef>
+              <a:spcAft>
+                <a:spcPts val="0"/>
+              </a:spcAft>
+              <a:buClr>
+                <a:schemeClr val="dk1"/>
+              </a:buClr>
+              <a:buSzPct val="39285"/>
+              <a:buFont typeface="Arial"/>
+              <a:buNone/>
+            </a:pPr>
+            <a:r>
+              <a:rPr lang="ko" sz="2800">
+                <a:solidFill>
+                  <a:schemeClr val="dk1"/>
+                </a:solidFill>
+              </a:rPr>
+              <a:t>      for(j=0;j&lt;3;j++)</a:t>
+            </a:r>
+            <a:endParaRPr sz="2800">
+              <a:solidFill>
+                <a:schemeClr val="dk1"/>
+              </a:solidFill>
+            </a:endParaRPr>
+          </a:p>
+          <a:p>
+            <a:pPr indent="0" lvl="0" marL="0" rtl="0" algn="l">
+              <a:spcBef>
+                <a:spcPts val="1200"/>
+              </a:spcBef>
+              <a:spcAft>
+                <a:spcPts val="0"/>
+              </a:spcAft>
+              <a:buClr>
+                <a:schemeClr val="dk1"/>
+              </a:buClr>
+              <a:buSzPct val="39285"/>
+              <a:buFont typeface="Arial"/>
+              <a:buNone/>
+            </a:pPr>
+            <a:r>
+              <a:rPr lang="ko" sz="2800">
+                <a:solidFill>
+                  <a:schemeClr val="dk1"/>
+                </a:solidFill>
+              </a:rPr>
+              <a:t>      {</a:t>
+            </a:r>
+            <a:endParaRPr sz="2800">
+              <a:solidFill>
+                <a:schemeClr val="dk1"/>
+              </a:solidFill>
+            </a:endParaRPr>
+          </a:p>
+          <a:p>
+            <a:pPr indent="0" lvl="0" marL="0" rtl="0" algn="l">
+              <a:spcBef>
+                <a:spcPts val="1200"/>
+              </a:spcBef>
+              <a:spcAft>
+                <a:spcPts val="0"/>
+              </a:spcAft>
+              <a:buClr>
+                <a:schemeClr val="dk1"/>
+              </a:buClr>
+              <a:buSzPct val="39285"/>
+              <a:buFont typeface="Arial"/>
+              <a:buNone/>
+            </a:pPr>
+            <a:r>
+              <a:rPr lang="ko" sz="2800">
+                <a:solidFill>
+                  <a:schemeClr val="dk1"/>
+                </a:solidFill>
+              </a:rPr>
+              <a:t>         num2=num1/m_unit01[j];</a:t>
+            </a:r>
+            <a:endParaRPr sz="2800">
+              <a:solidFill>
+                <a:schemeClr val="dk1"/>
+              </a:solidFill>
+            </a:endParaRPr>
+          </a:p>
+          <a:p>
+            <a:pPr indent="0" lvl="0" marL="0" rtl="0" algn="l">
+              <a:spcBef>
+                <a:spcPts val="1200"/>
+              </a:spcBef>
+              <a:spcAft>
+                <a:spcPts val="0"/>
+              </a:spcAft>
+              <a:buClr>
+                <a:schemeClr val="dk1"/>
+              </a:buClr>
+              <a:buSzPct val="39285"/>
+              <a:buFont typeface="Arial"/>
+              <a:buNone/>
+            </a:pPr>
+            <a:r>
+              <a:rPr lang="ko" sz="2800">
+                <a:solidFill>
+                  <a:schemeClr val="dk1"/>
+                </a:solidFill>
+              </a:rPr>
+              <a:t>         if (!num2)</a:t>
+            </a:r>
+            <a:endParaRPr sz="2800">
+              <a:solidFill>
+                <a:schemeClr val="dk1"/>
+              </a:solidFill>
+            </a:endParaRPr>
+          </a:p>
+          <a:p>
+            <a:pPr indent="0" lvl="0" marL="0" rtl="0" algn="l">
+              <a:spcBef>
+                <a:spcPts val="1200"/>
+              </a:spcBef>
+              <a:spcAft>
+                <a:spcPts val="0"/>
+              </a:spcAft>
+              <a:buClr>
+                <a:schemeClr val="dk1"/>
+              </a:buClr>
+              <a:buSzPct val="39285"/>
+              <a:buFont typeface="Arial"/>
+              <a:buNone/>
+            </a:pPr>
+            <a:r>
+              <a:rPr lang="ko" sz="2800">
+                <a:solidFill>
+                  <a:schemeClr val="dk1"/>
+                </a:solidFill>
+              </a:rPr>
+              <a:t>	    continue;</a:t>
+            </a:r>
+            <a:endParaRPr sz="2800">
+              <a:solidFill>
+                <a:schemeClr val="dk1"/>
+              </a:solidFill>
+            </a:endParaRPr>
+          </a:p>
+          <a:p>
+            <a:pPr indent="0" lvl="0" marL="0" rtl="0" algn="l">
+              <a:spcBef>
+                <a:spcPts val="1200"/>
+              </a:spcBef>
+              <a:spcAft>
+                <a:spcPts val="0"/>
+              </a:spcAft>
+              <a:buClr>
+                <a:schemeClr val="dk1"/>
+              </a:buClr>
+              <a:buSzPct val="39285"/>
+              <a:buFont typeface="Arial"/>
+              <a:buNone/>
+            </a:pPr>
+            <a:r>
+              <a:rPr lang="ko" sz="2800">
+                <a:solidFill>
+                  <a:schemeClr val="dk1"/>
+                </a:solidFill>
+              </a:rPr>
+              <a:t>         printf("%s%s", unit03[num2], unit02[j]);</a:t>
+            </a:r>
+            <a:endParaRPr sz="2800">
+              <a:solidFill>
+                <a:schemeClr val="dk1"/>
+              </a:solidFill>
+            </a:endParaRPr>
+          </a:p>
+          <a:p>
+            <a:pPr indent="0" lvl="0" marL="0" rtl="0" algn="l">
+              <a:spcBef>
+                <a:spcPts val="1200"/>
+              </a:spcBef>
+              <a:spcAft>
+                <a:spcPts val="0"/>
+              </a:spcAft>
+              <a:buClr>
+                <a:schemeClr val="dk1"/>
+              </a:buClr>
+              <a:buSzPct val="39285"/>
+              <a:buFont typeface="Arial"/>
+              <a:buNone/>
+            </a:pPr>
+            <a:r>
+              <a:rPr lang="ko" sz="2800">
+                <a:solidFill>
+                  <a:schemeClr val="dk1"/>
+                </a:solidFill>
+              </a:rPr>
+              <a:t>	 num1=num1-num2*m_unit01[j];</a:t>
+            </a:r>
+            <a:endParaRPr sz="2800">
+              <a:solidFill>
+                <a:schemeClr val="dk1"/>
+              </a:solidFill>
+            </a:endParaRPr>
+          </a:p>
+          <a:p>
+            <a:pPr indent="0" lvl="0" marL="0" rtl="0" algn="l">
+              <a:spcBef>
+                <a:spcPts val="1200"/>
+              </a:spcBef>
+              <a:spcAft>
+                <a:spcPts val="0"/>
+              </a:spcAft>
+              <a:buClr>
+                <a:schemeClr val="dk1"/>
+              </a:buClr>
+              <a:buSzPct val="39285"/>
+              <a:buFont typeface="Arial"/>
+              <a:buNone/>
+            </a:pPr>
+            <a:r>
+              <a:rPr lang="ko" sz="2800">
+                <a:solidFill>
+                  <a:schemeClr val="dk1"/>
+                </a:solidFill>
+              </a:rPr>
+              <a:t>      }</a:t>
+            </a:r>
+            <a:endParaRPr sz="2800">
+              <a:solidFill>
+                <a:schemeClr val="dk1"/>
+              </a:solidFill>
+            </a:endParaRPr>
+          </a:p>
+          <a:p>
+            <a:pPr indent="0" lvl="0" marL="0" rtl="0" algn="l">
+              <a:spcBef>
+                <a:spcPts val="1200"/>
+              </a:spcBef>
+              <a:spcAft>
+                <a:spcPts val="0"/>
+              </a:spcAft>
+              <a:buClr>
+                <a:schemeClr val="dk1"/>
+              </a:buClr>
+              <a:buSzPct val="39285"/>
+              <a:buFont typeface="Arial"/>
+              <a:buNone/>
+            </a:pPr>
+            <a:r>
+              <a:rPr lang="ko" sz="2800">
+                <a:solidFill>
+                  <a:schemeClr val="dk1"/>
+                </a:solidFill>
+              </a:rPr>
+              <a:t>      printf("%s%s ", unit03[num1], unit01[i]);</a:t>
+            </a:r>
+            <a:endParaRPr sz="2800">
+              <a:solidFill>
+                <a:schemeClr val="dk1"/>
+              </a:solidFill>
+            </a:endParaRPr>
+          </a:p>
+          <a:p>
+            <a:pPr indent="0" lvl="0" marL="0" rtl="0" algn="l">
+              <a:spcBef>
+                <a:spcPts val="1200"/>
+              </a:spcBef>
+              <a:spcAft>
+                <a:spcPts val="0"/>
+              </a:spcAft>
+              <a:buClr>
+                <a:schemeClr val="dk1"/>
+              </a:buClr>
+              <a:buSzPct val="39285"/>
+              <a:buFont typeface="Arial"/>
+              <a:buNone/>
+            </a:pPr>
+            <a:r>
+              <a:rPr lang="ko" sz="2800">
+                <a:solidFill>
+                  <a:schemeClr val="dk1"/>
+                </a:solidFill>
+              </a:rPr>
+              <a:t>      money=money-temp*m_unit[i];</a:t>
+            </a:r>
+            <a:endParaRPr sz="2800">
+              <a:solidFill>
+                <a:schemeClr val="dk1"/>
+              </a:solidFill>
+            </a:endParaRPr>
+          </a:p>
+          <a:p>
+            <a:pPr indent="0" lvl="0" marL="0" rtl="0" algn="l">
+              <a:spcBef>
+                <a:spcPts val="1200"/>
+              </a:spcBef>
+              <a:spcAft>
+                <a:spcPts val="0"/>
+              </a:spcAft>
+              <a:buClr>
+                <a:schemeClr val="dk1"/>
+              </a:buClr>
+              <a:buSzPct val="39285"/>
+              <a:buFont typeface="Arial"/>
+              <a:buNone/>
+            </a:pPr>
+            <a:r>
+              <a:rPr lang="ko" sz="2800">
+                <a:solidFill>
+                  <a:schemeClr val="dk1"/>
+                </a:solidFill>
+              </a:rPr>
+              <a:t>   }</a:t>
+            </a:r>
+            <a:endParaRPr sz="2800">
+              <a:solidFill>
+                <a:schemeClr val="dk1"/>
+              </a:solidFill>
+            </a:endParaRPr>
+          </a:p>
+          <a:p>
+            <a:pPr indent="0" lvl="0" marL="0" rtl="0" algn="l">
+              <a:spcBef>
+                <a:spcPts val="1200"/>
+              </a:spcBef>
+              <a:spcAft>
+                <a:spcPts val="0"/>
+              </a:spcAft>
+              <a:buClr>
+                <a:schemeClr val="dk1"/>
+              </a:buClr>
+              <a:buSzPct val="39285"/>
+              <a:buFont typeface="Arial"/>
+              <a:buNone/>
+            </a:pPr>
+            <a:r>
+              <a:rPr lang="ko" sz="2800">
+                <a:solidFill>
+                  <a:schemeClr val="dk1"/>
+                </a:solidFill>
+              </a:rPr>
+              <a:t>   printf("\n");</a:t>
+            </a:r>
+            <a:endParaRPr sz="2800">
+              <a:solidFill>
+                <a:schemeClr val="dk1"/>
+              </a:solidFill>
+            </a:endParaRPr>
+          </a:p>
+          <a:p>
+            <a:pPr indent="0" lvl="0" marL="0" rtl="0" algn="l">
+              <a:spcBef>
+                <a:spcPts val="1200"/>
+              </a:spcBef>
+              <a:spcAft>
+                <a:spcPts val="0"/>
+              </a:spcAft>
+              <a:buClr>
+                <a:schemeClr val="dk1"/>
+              </a:buClr>
+              <a:buSzPct val="39285"/>
+              <a:buFont typeface="Arial"/>
+              <a:buNone/>
+            </a:pPr>
+            <a:r>
+              <a:rPr lang="ko" sz="2800">
+                <a:solidFill>
+                  <a:schemeClr val="dk1"/>
+                </a:solidFill>
+              </a:rPr>
+              <a:t>}</a:t>
+            </a:r>
+            <a:endParaRPr sz="2800">
+              <a:solidFill>
+                <a:schemeClr val="dk1"/>
+              </a:solidFill>
+            </a:endParaRPr>
+          </a:p>
+          <a:p>
+            <a:pPr indent="0" lvl="0" marL="0" rtl="0" algn="l">
+              <a:spcBef>
+                <a:spcPts val="1200"/>
+              </a:spcBef>
+              <a:spcAft>
+                <a:spcPts val="1200"/>
+              </a:spcAft>
+              <a:buNone/>
+            </a:pPr>
+            <a:r>
+              <a:t/>
             </a:r>
             <a:endParaRPr/>
           </a:p>
@@ -6024,8 +7329,7 @@
               <a:buNone/>
             </a:pPr>
             <a:r>
-              <a:rPr lang="ko"/>
-              <a:t>원본</a:t>
+              <a:t/>
             </a:r>
             <a:endParaRPr/>
           </a:p>
@@ -6042,7 +7346,7 @@
         <p:spPr>
           <a:xfrm>
             <a:off x="311700" y="1152475"/>
-            <a:ext cx="2854200" cy="3416400"/>
+            <a:ext cx="8520600" cy="3416400"/>
           </a:xfrm>
           <a:prstGeom prst="rect">
             <a:avLst/>
@@ -6050,7 +7354,7 @@
         </p:spPr>
         <p:txBody>
           <a:bodyPr anchorCtr="0" anchor="t" bIns="91425" lIns="91425" spcFirstLastPara="1" rIns="91425" wrap="square" tIns="91425">
-            <a:normAutofit fontScale="25000" lnSpcReduction="20000"/>
+            <a:normAutofit/>
           </a:bodyPr>
           <a:lstStyle/>
           <a:p>
@@ -6061,1252 +7365,64 @@
               <a:spcAft>
                 <a:spcPts val="0"/>
               </a:spcAft>
-              <a:buClr>
-                <a:schemeClr val="dk1"/>
-              </a:buClr>
-              <a:buSzPct val="39285"/>
-              <a:buFont typeface="Arial"/>
-              <a:buNone/>
-            </a:pPr>
-            <a:r>
-              <a:rPr lang="ko" sz="2800">
-                <a:solidFill>
-                  <a:schemeClr val="dk1"/>
-                </a:solidFill>
-              </a:rPr>
-              <a:t>#include &lt;stdio.h&gt;</a:t>
-            </a:r>
-            <a:endParaRPr sz="2800">
-              <a:solidFill>
-                <a:schemeClr val="dk1"/>
-              </a:solidFill>
-            </a:endParaRPr>
-          </a:p>
-          <a:p>
-            <a:pPr indent="0" lvl="0" marL="0" rtl="0" algn="l">
-              <a:spcBef>
-                <a:spcPts val="1200"/>
-              </a:spcBef>
-              <a:spcAft>
-                <a:spcPts val="0"/>
-              </a:spcAft>
-              <a:buClr>
-                <a:schemeClr val="dk1"/>
-              </a:buClr>
-              <a:buSzPct val="39285"/>
-              <a:buFont typeface="Arial"/>
-              <a:buNone/>
-            </a:pPr>
-            <a:r>
-              <a:rPr lang="ko" sz="2800">
-                <a:solidFill>
-                  <a:schemeClr val="dk1"/>
-                </a:solidFill>
-              </a:rPr>
-              <a:t>void number_to_hangul(unsigned long money);</a:t>
-            </a:r>
-            <a:endParaRPr sz="2800">
-              <a:solidFill>
-                <a:schemeClr val="dk1"/>
-              </a:solidFill>
-            </a:endParaRPr>
-          </a:p>
-          <a:p>
-            <a:pPr indent="0" lvl="0" marL="0" rtl="0" algn="l">
-              <a:spcBef>
-                <a:spcPts val="1200"/>
-              </a:spcBef>
-              <a:spcAft>
-                <a:spcPts val="0"/>
-              </a:spcAft>
-              <a:buClr>
-                <a:schemeClr val="dk1"/>
-              </a:buClr>
-              <a:buSzPct val="39285"/>
-              <a:buFont typeface="Arial"/>
-              <a:buNone/>
-            </a:pPr>
-            <a:r>
-              <a:t/>
-            </a:r>
-            <a:endParaRPr sz="2800">
-              <a:solidFill>
-                <a:schemeClr val="dk1"/>
-              </a:solidFill>
-            </a:endParaRPr>
-          </a:p>
-          <a:p>
-            <a:pPr indent="0" lvl="0" marL="0" rtl="0" algn="l">
-              <a:spcBef>
-                <a:spcPts val="1200"/>
-              </a:spcBef>
-              <a:spcAft>
-                <a:spcPts val="0"/>
-              </a:spcAft>
-              <a:buClr>
-                <a:schemeClr val="dk1"/>
-              </a:buClr>
-              <a:buSzPct val="39285"/>
-              <a:buFont typeface="Arial"/>
-              <a:buNone/>
-            </a:pPr>
-            <a:r>
-              <a:rPr lang="ko" sz="2800">
-                <a:solidFill>
-                  <a:schemeClr val="dk1"/>
-                </a:solidFill>
-              </a:rPr>
-              <a:t>int main(void)</a:t>
-            </a:r>
-            <a:endParaRPr sz="2800">
-              <a:solidFill>
-                <a:schemeClr val="dk1"/>
-              </a:solidFill>
-            </a:endParaRPr>
-          </a:p>
-          <a:p>
-            <a:pPr indent="0" lvl="0" marL="0" rtl="0" algn="l">
-              <a:spcBef>
-                <a:spcPts val="1200"/>
-              </a:spcBef>
-              <a:spcAft>
-                <a:spcPts val="0"/>
-              </a:spcAft>
-              <a:buClr>
-                <a:schemeClr val="dk1"/>
-              </a:buClr>
-              <a:buSzPct val="39285"/>
-              <a:buFont typeface="Arial"/>
-              <a:buNone/>
-            </a:pPr>
-            <a:r>
-              <a:rPr lang="ko" sz="2800">
-                <a:solidFill>
-                  <a:schemeClr val="dk1"/>
-                </a:solidFill>
-              </a:rPr>
-              <a:t>{</a:t>
-            </a:r>
-            <a:endParaRPr sz="2800">
-              <a:solidFill>
-                <a:schemeClr val="dk1"/>
-              </a:solidFill>
-            </a:endParaRPr>
-          </a:p>
-          <a:p>
-            <a:pPr indent="0" lvl="0" marL="0" rtl="0" algn="l">
-              <a:spcBef>
-                <a:spcPts val="1200"/>
-              </a:spcBef>
-              <a:spcAft>
-                <a:spcPts val="0"/>
-              </a:spcAft>
-              <a:buClr>
-                <a:schemeClr val="dk1"/>
-              </a:buClr>
-              <a:buSzPct val="39285"/>
-              <a:buFont typeface="Arial"/>
-              <a:buNone/>
-            </a:pPr>
-            <a:r>
-              <a:rPr lang="ko" sz="2800">
-                <a:solidFill>
-                  <a:schemeClr val="dk1"/>
-                </a:solidFill>
-              </a:rPr>
-              <a:t>	unsigned long money;</a:t>
-            </a:r>
-            <a:endParaRPr sz="2800">
-              <a:solidFill>
-                <a:schemeClr val="dk1"/>
-              </a:solidFill>
-            </a:endParaRPr>
-          </a:p>
-          <a:p>
-            <a:pPr indent="0" lvl="0" marL="0" rtl="0" algn="l">
-              <a:spcBef>
-                <a:spcPts val="1200"/>
-              </a:spcBef>
-              <a:spcAft>
-                <a:spcPts val="0"/>
-              </a:spcAft>
-              <a:buClr>
-                <a:schemeClr val="dk1"/>
-              </a:buClr>
-              <a:buSzPct val="39285"/>
-              <a:buFont typeface="Arial"/>
-              <a:buNone/>
-            </a:pPr>
-            <a:r>
-              <a:rPr lang="ko" sz="2800">
-                <a:solidFill>
-                  <a:schemeClr val="dk1"/>
-                </a:solidFill>
-              </a:rPr>
-              <a:t>	printf("금액을 입력하고 Enter&gt;");</a:t>
-            </a:r>
-            <a:endParaRPr sz="2800">
-              <a:solidFill>
-                <a:schemeClr val="dk1"/>
-              </a:solidFill>
-            </a:endParaRPr>
-          </a:p>
-          <a:p>
-            <a:pPr indent="0" lvl="0" marL="0" rtl="0" algn="l">
-              <a:spcBef>
-                <a:spcPts val="1200"/>
-              </a:spcBef>
-              <a:spcAft>
-                <a:spcPts val="0"/>
-              </a:spcAft>
-              <a:buClr>
-                <a:schemeClr val="dk1"/>
-              </a:buClr>
-              <a:buSzPct val="39285"/>
-              <a:buFont typeface="Arial"/>
-              <a:buNone/>
-            </a:pPr>
-            <a:r>
-              <a:rPr lang="ko" sz="2800">
-                <a:solidFill>
-                  <a:schemeClr val="dk1"/>
-                </a:solidFill>
-              </a:rPr>
-              <a:t>	scanf("%ld", &amp;money);</a:t>
-            </a:r>
-            <a:endParaRPr sz="2800">
-              <a:solidFill>
-                <a:schemeClr val="dk1"/>
-              </a:solidFill>
-            </a:endParaRPr>
-          </a:p>
-          <a:p>
-            <a:pPr indent="0" lvl="0" marL="0" rtl="0" algn="l">
-              <a:spcBef>
-                <a:spcPts val="1200"/>
-              </a:spcBef>
-              <a:spcAft>
-                <a:spcPts val="0"/>
-              </a:spcAft>
-              <a:buClr>
-                <a:schemeClr val="dk1"/>
-              </a:buClr>
-              <a:buSzPct val="39285"/>
-              <a:buFont typeface="Arial"/>
-              <a:buNone/>
-            </a:pPr>
-            <a:r>
-              <a:rPr lang="ko" sz="2800">
-                <a:solidFill>
-                  <a:schemeClr val="dk1"/>
-                </a:solidFill>
-              </a:rPr>
-              <a:t>	printf("\n화폐단위\n");</a:t>
-            </a:r>
-            <a:endParaRPr sz="2800">
-              <a:solidFill>
-                <a:schemeClr val="dk1"/>
-              </a:solidFill>
-            </a:endParaRPr>
-          </a:p>
-          <a:p>
-            <a:pPr indent="0" lvl="0" marL="0" rtl="0" algn="l">
-              <a:spcBef>
-                <a:spcPts val="1200"/>
-              </a:spcBef>
-              <a:spcAft>
-                <a:spcPts val="0"/>
-              </a:spcAft>
-              <a:buClr>
-                <a:schemeClr val="dk1"/>
-              </a:buClr>
-              <a:buSzPct val="39285"/>
-              <a:buFont typeface="Arial"/>
-              <a:buNone/>
-            </a:pPr>
-            <a:r>
-              <a:rPr lang="ko" sz="2800">
-                <a:solidFill>
-                  <a:schemeClr val="dk1"/>
-                </a:solidFill>
-              </a:rPr>
-              <a:t>	number_to_hangul(money);</a:t>
-            </a:r>
-            <a:endParaRPr sz="2800">
-              <a:solidFill>
-                <a:schemeClr val="dk1"/>
-              </a:solidFill>
-            </a:endParaRPr>
-          </a:p>
-          <a:p>
-            <a:pPr indent="0" lvl="0" marL="0" rtl="0" algn="l">
-              <a:spcBef>
-                <a:spcPts val="1200"/>
-              </a:spcBef>
-              <a:spcAft>
-                <a:spcPts val="0"/>
-              </a:spcAft>
-              <a:buClr>
-                <a:schemeClr val="dk1"/>
-              </a:buClr>
-              <a:buSzPct val="39285"/>
-              <a:buFont typeface="Arial"/>
-              <a:buNone/>
-            </a:pPr>
-            <a:r>
-              <a:rPr lang="ko" sz="2800">
-                <a:solidFill>
-                  <a:schemeClr val="dk1"/>
-                </a:solidFill>
-              </a:rPr>
-              <a:t>	return 0;</a:t>
-            </a:r>
-            <a:endParaRPr sz="2800">
-              <a:solidFill>
-                <a:schemeClr val="dk1"/>
-              </a:solidFill>
-            </a:endParaRPr>
-          </a:p>
-          <a:p>
-            <a:pPr indent="0" lvl="0" marL="0" rtl="0" algn="l">
-              <a:spcBef>
-                <a:spcPts val="1200"/>
-              </a:spcBef>
-              <a:spcAft>
-                <a:spcPts val="0"/>
-              </a:spcAft>
-              <a:buClr>
-                <a:schemeClr val="dk1"/>
-              </a:buClr>
-              <a:buSzPct val="39285"/>
-              <a:buFont typeface="Arial"/>
-              <a:buNone/>
-            </a:pPr>
-            <a:r>
-              <a:rPr lang="ko" sz="2800">
-                <a:solidFill>
-                  <a:schemeClr val="dk1"/>
-                </a:solidFill>
-              </a:rPr>
-              <a:t>}</a:t>
-            </a:r>
-            <a:endParaRPr sz="2800">
-              <a:solidFill>
-                <a:schemeClr val="dk1"/>
-              </a:solidFill>
-            </a:endParaRPr>
-          </a:p>
-          <a:p>
-            <a:pPr indent="0" lvl="0" marL="0" rtl="0" algn="l">
-              <a:spcBef>
-                <a:spcPts val="1200"/>
-              </a:spcBef>
-              <a:spcAft>
-                <a:spcPts val="0"/>
-              </a:spcAft>
-              <a:buClr>
-                <a:schemeClr val="dk1"/>
-              </a:buClr>
-              <a:buSzPct val="39285"/>
-              <a:buFont typeface="Arial"/>
-              <a:buNone/>
-            </a:pPr>
-            <a:r>
-              <a:t/>
-            </a:r>
-            <a:endParaRPr sz="2800">
-              <a:solidFill>
-                <a:schemeClr val="dk1"/>
-              </a:solidFill>
-            </a:endParaRPr>
-          </a:p>
-          <a:p>
-            <a:pPr indent="0" lvl="0" marL="0" rtl="0" algn="l">
-              <a:spcBef>
-                <a:spcPts val="1200"/>
-              </a:spcBef>
-              <a:spcAft>
-                <a:spcPts val="0"/>
-              </a:spcAft>
-              <a:buClr>
-                <a:schemeClr val="dk1"/>
-              </a:buClr>
-              <a:buSzPct val="39285"/>
-              <a:buFont typeface="Arial"/>
-              <a:buNone/>
-            </a:pPr>
-            <a:r>
-              <a:rPr lang="ko" sz="2800">
-                <a:solidFill>
-                  <a:schemeClr val="dk1"/>
-                </a:solidFill>
-              </a:rPr>
-              <a:t>void number_to_hangul(unsigned long money)</a:t>
-            </a:r>
-            <a:endParaRPr sz="2800">
-              <a:solidFill>
-                <a:schemeClr val="dk1"/>
-              </a:solidFill>
-            </a:endParaRPr>
-          </a:p>
-          <a:p>
-            <a:pPr indent="0" lvl="0" marL="0" rtl="0" algn="l">
-              <a:spcBef>
-                <a:spcPts val="1200"/>
-              </a:spcBef>
-              <a:spcAft>
-                <a:spcPts val="0"/>
-              </a:spcAft>
-              <a:buClr>
-                <a:schemeClr val="dk1"/>
-              </a:buClr>
-              <a:buSzPct val="39285"/>
-              <a:buFont typeface="Arial"/>
-              <a:buNone/>
-            </a:pPr>
-            <a:r>
-              <a:rPr lang="ko" sz="2800">
-                <a:solidFill>
-                  <a:schemeClr val="dk1"/>
-                </a:solidFill>
-              </a:rPr>
-              <a:t>{</a:t>
-            </a:r>
-            <a:endParaRPr sz="2800">
-              <a:solidFill>
-                <a:schemeClr val="dk1"/>
-              </a:solidFill>
-            </a:endParaRPr>
-          </a:p>
-          <a:p>
-            <a:pPr indent="0" lvl="0" marL="0" rtl="0" algn="l">
-              <a:spcBef>
-                <a:spcPts val="1200"/>
-              </a:spcBef>
-              <a:spcAft>
-                <a:spcPts val="0"/>
-              </a:spcAft>
-              <a:buClr>
-                <a:schemeClr val="dk1"/>
-              </a:buClr>
-              <a:buSzPct val="39285"/>
-              <a:buFont typeface="Arial"/>
-              <a:buNone/>
-            </a:pPr>
-            <a:r>
-              <a:rPr lang="ko" sz="2800">
-                <a:solidFill>
-                  <a:schemeClr val="dk1"/>
-                </a:solidFill>
-              </a:rPr>
-              <a:t>  //[함수 11.5.1]의 정의부분 참고</a:t>
-            </a:r>
-            <a:endParaRPr sz="2800">
-              <a:solidFill>
-                <a:schemeClr val="dk1"/>
-              </a:solidFill>
-            </a:endParaRPr>
-          </a:p>
-          <a:p>
-            <a:pPr indent="0" lvl="0" marL="0" rtl="0" algn="l">
-              <a:spcBef>
-                <a:spcPts val="1200"/>
-              </a:spcBef>
-              <a:spcAft>
-                <a:spcPts val="0"/>
-              </a:spcAft>
-              <a:buClr>
-                <a:schemeClr val="dk1"/>
-              </a:buClr>
-              <a:buSzPct val="39285"/>
-              <a:buFont typeface="Arial"/>
-              <a:buNone/>
-            </a:pPr>
-            <a:r>
-              <a:rPr lang="ko" sz="2800">
-                <a:solidFill>
-                  <a:schemeClr val="dk1"/>
-                </a:solidFill>
-              </a:rPr>
-              <a:t>   unsigned long num1, num2, temp;</a:t>
-            </a:r>
-            <a:endParaRPr sz="2800">
-              <a:solidFill>
-                <a:schemeClr val="dk1"/>
-              </a:solidFill>
-            </a:endParaRPr>
-          </a:p>
-          <a:p>
-            <a:pPr indent="0" lvl="0" marL="0" rtl="0" algn="l">
-              <a:spcBef>
-                <a:spcPts val="1200"/>
-              </a:spcBef>
-              <a:spcAft>
-                <a:spcPts val="0"/>
-              </a:spcAft>
-              <a:buClr>
-                <a:schemeClr val="dk1"/>
-              </a:buClr>
-              <a:buSzPct val="39285"/>
-              <a:buFont typeface="Arial"/>
-              <a:buNone/>
-            </a:pPr>
-            <a:r>
-              <a:rPr lang="ko" sz="2800">
-                <a:solidFill>
-                  <a:schemeClr val="dk1"/>
-                </a:solidFill>
-              </a:rPr>
-              <a:t>   unsigned long m_unit[]={100000000, 10000, 1};</a:t>
-            </a:r>
-            <a:endParaRPr sz="2800">
-              <a:solidFill>
-                <a:schemeClr val="dk1"/>
-              </a:solidFill>
-            </a:endParaRPr>
-          </a:p>
-          <a:p>
-            <a:pPr indent="0" lvl="0" marL="0" rtl="0" algn="l">
-              <a:spcBef>
-                <a:spcPts val="1200"/>
-              </a:spcBef>
-              <a:spcAft>
-                <a:spcPts val="0"/>
-              </a:spcAft>
-              <a:buClr>
-                <a:schemeClr val="dk1"/>
-              </a:buClr>
-              <a:buSzPct val="39285"/>
-              <a:buFont typeface="Arial"/>
-              <a:buNone/>
-            </a:pPr>
-            <a:r>
-              <a:rPr lang="ko" sz="2800">
-                <a:solidFill>
-                  <a:schemeClr val="dk1"/>
-                </a:solidFill>
-              </a:rPr>
-              <a:t>   unsigned long m_unit01[]={1000, 100, 10};</a:t>
-            </a:r>
-            <a:endParaRPr sz="2800">
-              <a:solidFill>
-                <a:schemeClr val="dk1"/>
-              </a:solidFill>
-            </a:endParaRPr>
-          </a:p>
-          <a:p>
-            <a:pPr indent="0" lvl="0" marL="0" rtl="0" algn="l">
-              <a:spcBef>
-                <a:spcPts val="1200"/>
-              </a:spcBef>
-              <a:spcAft>
-                <a:spcPts val="0"/>
-              </a:spcAft>
-              <a:buClr>
-                <a:schemeClr val="dk1"/>
-              </a:buClr>
-              <a:buSzPct val="39285"/>
-              <a:buFont typeface="Arial"/>
-              <a:buNone/>
-            </a:pPr>
-            <a:r>
-              <a:rPr lang="ko" sz="2800">
-                <a:solidFill>
-                  <a:schemeClr val="dk1"/>
-                </a:solidFill>
-              </a:rPr>
-              <a:t>   int i, j;</a:t>
-            </a:r>
-            <a:endParaRPr sz="2800">
-              <a:solidFill>
-                <a:schemeClr val="dk1"/>
-              </a:solidFill>
-            </a:endParaRPr>
-          </a:p>
-          <a:p>
-            <a:pPr indent="0" lvl="0" marL="0" rtl="0" algn="l">
-              <a:spcBef>
-                <a:spcPts val="1200"/>
-              </a:spcBef>
-              <a:spcAft>
-                <a:spcPts val="0"/>
-              </a:spcAft>
-              <a:buClr>
-                <a:schemeClr val="dk1"/>
-              </a:buClr>
-              <a:buSzPct val="39285"/>
-              <a:buFont typeface="Arial"/>
-              <a:buNone/>
-            </a:pPr>
-            <a:r>
-              <a:rPr lang="ko" sz="2800">
-                <a:solidFill>
-                  <a:schemeClr val="dk1"/>
-                </a:solidFill>
-              </a:rPr>
-              <a:t>   char *unit01[]={"억", "만", "원"};</a:t>
-            </a:r>
-            <a:endParaRPr sz="2800">
-              <a:solidFill>
-                <a:schemeClr val="dk1"/>
-              </a:solidFill>
-            </a:endParaRPr>
-          </a:p>
-          <a:p>
-            <a:pPr indent="0" lvl="0" marL="0" rtl="0" algn="l">
-              <a:spcBef>
-                <a:spcPts val="1200"/>
-              </a:spcBef>
-              <a:spcAft>
-                <a:spcPts val="0"/>
-              </a:spcAft>
-              <a:buClr>
-                <a:schemeClr val="dk1"/>
-              </a:buClr>
-              <a:buSzPct val="39285"/>
-              <a:buFont typeface="Arial"/>
-              <a:buNone/>
-            </a:pPr>
-            <a:r>
-              <a:rPr lang="ko" sz="2800">
-                <a:solidFill>
-                  <a:schemeClr val="dk1"/>
-                </a:solidFill>
-              </a:rPr>
-              <a:t>   char *unit02[]={"천", "백", "십"};</a:t>
-            </a:r>
-            <a:endParaRPr sz="2800">
-              <a:solidFill>
-                <a:schemeClr val="dk1"/>
-              </a:solidFill>
-            </a:endParaRPr>
-          </a:p>
-          <a:p>
-            <a:pPr indent="0" lvl="0" marL="0" rtl="0" algn="l">
-              <a:spcBef>
-                <a:spcPts val="1200"/>
-              </a:spcBef>
-              <a:spcAft>
-                <a:spcPts val="0"/>
-              </a:spcAft>
-              <a:buClr>
-                <a:schemeClr val="dk1"/>
-              </a:buClr>
-              <a:buSzPct val="39285"/>
-              <a:buFont typeface="Arial"/>
-              <a:buNone/>
-            </a:pPr>
-            <a:r>
-              <a:rPr lang="ko" sz="2800">
-                <a:solidFill>
-                  <a:schemeClr val="dk1"/>
-                </a:solidFill>
-              </a:rPr>
-              <a:t>   char *unit03[]={"  ", "일", "이", "삼", "사", "오", </a:t>
-            </a:r>
-            <a:endParaRPr sz="2800">
-              <a:solidFill>
-                <a:schemeClr val="dk1"/>
-              </a:solidFill>
-            </a:endParaRPr>
-          </a:p>
-          <a:p>
-            <a:pPr indent="0" lvl="0" marL="0" rtl="0" algn="l">
-              <a:spcBef>
-                <a:spcPts val="1200"/>
-              </a:spcBef>
-              <a:spcAft>
-                <a:spcPts val="0"/>
-              </a:spcAft>
-              <a:buClr>
-                <a:schemeClr val="dk1"/>
-              </a:buClr>
-              <a:buSzPct val="39285"/>
-              <a:buFont typeface="Arial"/>
-              <a:buNone/>
-            </a:pPr>
-            <a:r>
-              <a:rPr lang="ko" sz="2800">
-                <a:solidFill>
-                  <a:schemeClr val="dk1"/>
-                </a:solidFill>
-              </a:rPr>
-              <a:t>                        "육", "칠", "팔", "구"};</a:t>
-            </a:r>
-            <a:endParaRPr sz="2800">
-              <a:solidFill>
-                <a:schemeClr val="dk1"/>
-              </a:solidFill>
-            </a:endParaRPr>
-          </a:p>
-          <a:p>
-            <a:pPr indent="0" lvl="0" marL="0" rtl="0" algn="l">
-              <a:spcBef>
-                <a:spcPts val="1200"/>
-              </a:spcBef>
-              <a:spcAft>
-                <a:spcPts val="0"/>
-              </a:spcAft>
-              <a:buClr>
-                <a:schemeClr val="dk1"/>
-              </a:buClr>
-              <a:buSzPct val="39285"/>
-              <a:buFont typeface="Arial"/>
-              <a:buNone/>
-            </a:pPr>
-            <a:r>
-              <a:rPr lang="ko" sz="2800">
-                <a:solidFill>
-                  <a:schemeClr val="dk1"/>
-                </a:solidFill>
-              </a:rPr>
-              <a:t>   for(i=0; i&lt;3; i++)</a:t>
-            </a:r>
-            <a:endParaRPr sz="2800">
-              <a:solidFill>
-                <a:schemeClr val="dk1"/>
-              </a:solidFill>
-            </a:endParaRPr>
-          </a:p>
-          <a:p>
-            <a:pPr indent="0" lvl="0" marL="0" rtl="0" algn="l">
-              <a:spcBef>
-                <a:spcPts val="1200"/>
-              </a:spcBef>
-              <a:spcAft>
-                <a:spcPts val="0"/>
-              </a:spcAft>
-              <a:buClr>
-                <a:schemeClr val="dk1"/>
-              </a:buClr>
-              <a:buSzPct val="39285"/>
-              <a:buFont typeface="Arial"/>
-              <a:buNone/>
-            </a:pPr>
-            <a:r>
-              <a:rPr lang="ko" sz="2800">
-                <a:solidFill>
-                  <a:schemeClr val="dk1"/>
-                </a:solidFill>
-              </a:rPr>
-              <a:t>   {</a:t>
-            </a:r>
-            <a:endParaRPr sz="2800">
-              <a:solidFill>
-                <a:schemeClr val="dk1"/>
-              </a:solidFill>
-            </a:endParaRPr>
-          </a:p>
-          <a:p>
-            <a:pPr indent="0" lvl="0" marL="0" rtl="0" algn="l">
-              <a:spcBef>
-                <a:spcPts val="1200"/>
-              </a:spcBef>
-              <a:spcAft>
-                <a:spcPts val="0"/>
-              </a:spcAft>
-              <a:buClr>
-                <a:schemeClr val="dk1"/>
-              </a:buClr>
-              <a:buSzPct val="39285"/>
-              <a:buFont typeface="Arial"/>
-              <a:buNone/>
-            </a:pPr>
-            <a:r>
-              <a:rPr lang="ko" sz="2800">
-                <a:solidFill>
-                  <a:schemeClr val="dk1"/>
-                </a:solidFill>
-              </a:rPr>
-              <a:t>      num1=money/m_unit[i];</a:t>
-            </a:r>
-            <a:endParaRPr sz="2800">
-              <a:solidFill>
-                <a:schemeClr val="dk1"/>
-              </a:solidFill>
-            </a:endParaRPr>
-          </a:p>
-          <a:p>
-            <a:pPr indent="0" lvl="0" marL="0" rtl="0" algn="l">
-              <a:spcBef>
-                <a:spcPts val="1200"/>
-              </a:spcBef>
-              <a:spcAft>
-                <a:spcPts val="0"/>
-              </a:spcAft>
-              <a:buClr>
-                <a:schemeClr val="dk1"/>
-              </a:buClr>
-              <a:buSzPct val="39285"/>
-              <a:buFont typeface="Arial"/>
-              <a:buNone/>
-            </a:pPr>
-            <a:r>
-              <a:rPr lang="ko" sz="2800">
-                <a:solidFill>
-                  <a:schemeClr val="dk1"/>
-                </a:solidFill>
-              </a:rPr>
-              <a:t>      if(!num1)</a:t>
-            </a:r>
-            <a:endParaRPr sz="2800">
-              <a:solidFill>
-                <a:schemeClr val="dk1"/>
-              </a:solidFill>
-            </a:endParaRPr>
-          </a:p>
-          <a:p>
-            <a:pPr indent="0" lvl="0" marL="0" rtl="0" algn="l">
-              <a:spcBef>
-                <a:spcPts val="1200"/>
-              </a:spcBef>
-              <a:spcAft>
-                <a:spcPts val="0"/>
-              </a:spcAft>
-              <a:buClr>
-                <a:schemeClr val="dk1"/>
-              </a:buClr>
-              <a:buSzPct val="39285"/>
-              <a:buFont typeface="Arial"/>
-              <a:buNone/>
-            </a:pPr>
-            <a:r>
-              <a:rPr lang="ko" sz="2800">
-                <a:solidFill>
-                  <a:schemeClr val="dk1"/>
-                </a:solidFill>
-              </a:rPr>
-              <a:t>          continue;</a:t>
-            </a:r>
-            <a:endParaRPr sz="2800">
-              <a:solidFill>
-                <a:schemeClr val="dk1"/>
-              </a:solidFill>
-            </a:endParaRPr>
-          </a:p>
-          <a:p>
-            <a:pPr indent="0" lvl="0" marL="0" rtl="0" algn="l">
-              <a:spcBef>
-                <a:spcPts val="1200"/>
-              </a:spcBef>
-              <a:spcAft>
-                <a:spcPts val="0"/>
-              </a:spcAft>
-              <a:buClr>
-                <a:schemeClr val="dk1"/>
-              </a:buClr>
-              <a:buSzPct val="39285"/>
-              <a:buFont typeface="Arial"/>
-              <a:buNone/>
-            </a:pPr>
-            <a:r>
-              <a:rPr lang="ko" sz="2800">
-                <a:solidFill>
-                  <a:schemeClr val="dk1"/>
-                </a:solidFill>
-              </a:rPr>
-              <a:t>      temp=num1;</a:t>
-            </a:r>
-            <a:endParaRPr sz="2800">
-              <a:solidFill>
-                <a:schemeClr val="dk1"/>
-              </a:solidFill>
-            </a:endParaRPr>
-          </a:p>
-          <a:p>
-            <a:pPr indent="0" lvl="0" marL="0" rtl="0" algn="l">
-              <a:spcBef>
-                <a:spcPts val="1200"/>
-              </a:spcBef>
-              <a:spcAft>
-                <a:spcPts val="0"/>
-              </a:spcAft>
-              <a:buClr>
-                <a:schemeClr val="dk1"/>
-              </a:buClr>
-              <a:buSzPct val="39285"/>
-              <a:buFont typeface="Arial"/>
-              <a:buNone/>
-            </a:pPr>
-            <a:r>
-              <a:rPr lang="ko" sz="2800">
-                <a:solidFill>
-                  <a:schemeClr val="dk1"/>
-                </a:solidFill>
-              </a:rPr>
-              <a:t>      for(j=0;j&lt;3;j++)</a:t>
-            </a:r>
-            <a:endParaRPr sz="2800">
-              <a:solidFill>
-                <a:schemeClr val="dk1"/>
-              </a:solidFill>
-            </a:endParaRPr>
-          </a:p>
-          <a:p>
-            <a:pPr indent="0" lvl="0" marL="0" rtl="0" algn="l">
-              <a:spcBef>
-                <a:spcPts val="1200"/>
-              </a:spcBef>
-              <a:spcAft>
-                <a:spcPts val="0"/>
-              </a:spcAft>
-              <a:buClr>
-                <a:schemeClr val="dk1"/>
-              </a:buClr>
-              <a:buSzPct val="39285"/>
-              <a:buFont typeface="Arial"/>
-              <a:buNone/>
-            </a:pPr>
-            <a:r>
-              <a:rPr lang="ko" sz="2800">
-                <a:solidFill>
-                  <a:schemeClr val="dk1"/>
-                </a:solidFill>
-              </a:rPr>
-              <a:t>      {</a:t>
-            </a:r>
-            <a:endParaRPr sz="2800">
-              <a:solidFill>
-                <a:schemeClr val="dk1"/>
-              </a:solidFill>
-            </a:endParaRPr>
-          </a:p>
-          <a:p>
-            <a:pPr indent="0" lvl="0" marL="0" rtl="0" algn="l">
-              <a:spcBef>
-                <a:spcPts val="1200"/>
-              </a:spcBef>
-              <a:spcAft>
-                <a:spcPts val="0"/>
-              </a:spcAft>
-              <a:buClr>
-                <a:schemeClr val="dk1"/>
-              </a:buClr>
-              <a:buSzPct val="39285"/>
-              <a:buFont typeface="Arial"/>
-              <a:buNone/>
-            </a:pPr>
-            <a:r>
-              <a:rPr lang="ko" sz="2800">
-                <a:solidFill>
-                  <a:schemeClr val="dk1"/>
-                </a:solidFill>
-              </a:rPr>
-              <a:t>         num2=num1/m_unit01[j];</a:t>
-            </a:r>
-            <a:endParaRPr sz="2800">
-              <a:solidFill>
-                <a:schemeClr val="dk1"/>
-              </a:solidFill>
-            </a:endParaRPr>
-          </a:p>
-          <a:p>
-            <a:pPr indent="0" lvl="0" marL="0" rtl="0" algn="l">
-              <a:spcBef>
-                <a:spcPts val="1200"/>
-              </a:spcBef>
-              <a:spcAft>
-                <a:spcPts val="0"/>
-              </a:spcAft>
-              <a:buClr>
-                <a:schemeClr val="dk1"/>
-              </a:buClr>
-              <a:buSzPct val="39285"/>
-              <a:buFont typeface="Arial"/>
-              <a:buNone/>
-            </a:pPr>
-            <a:r>
-              <a:rPr lang="ko" sz="2800">
-                <a:solidFill>
-                  <a:schemeClr val="dk1"/>
-                </a:solidFill>
-              </a:rPr>
-              <a:t>         if (!num2)</a:t>
-            </a:r>
-            <a:endParaRPr sz="2800">
-              <a:solidFill>
-                <a:schemeClr val="dk1"/>
-              </a:solidFill>
-            </a:endParaRPr>
-          </a:p>
-          <a:p>
-            <a:pPr indent="0" lvl="0" marL="0" rtl="0" algn="l">
-              <a:spcBef>
-                <a:spcPts val="1200"/>
-              </a:spcBef>
-              <a:spcAft>
-                <a:spcPts val="0"/>
-              </a:spcAft>
-              <a:buClr>
-                <a:schemeClr val="dk1"/>
-              </a:buClr>
-              <a:buSzPct val="39285"/>
-              <a:buFont typeface="Arial"/>
-              <a:buNone/>
-            </a:pPr>
-            <a:r>
-              <a:rPr lang="ko" sz="2800">
-                <a:solidFill>
-                  <a:schemeClr val="dk1"/>
-                </a:solidFill>
-              </a:rPr>
-              <a:t>	    continue;</a:t>
-            </a:r>
-            <a:endParaRPr sz="2800">
-              <a:solidFill>
-                <a:schemeClr val="dk1"/>
-              </a:solidFill>
-            </a:endParaRPr>
-          </a:p>
-          <a:p>
-            <a:pPr indent="0" lvl="0" marL="0" rtl="0" algn="l">
-              <a:spcBef>
-                <a:spcPts val="1200"/>
-              </a:spcBef>
-              <a:spcAft>
-                <a:spcPts val="0"/>
-              </a:spcAft>
-              <a:buClr>
-                <a:schemeClr val="dk1"/>
-              </a:buClr>
-              <a:buSzPct val="39285"/>
-              <a:buFont typeface="Arial"/>
-              <a:buNone/>
-            </a:pPr>
-            <a:r>
-              <a:rPr lang="ko" sz="2800">
-                <a:solidFill>
-                  <a:schemeClr val="dk1"/>
-                </a:solidFill>
-              </a:rPr>
-              <a:t>         printf("%s%s", unit03[num2], unit02[j]);</a:t>
-            </a:r>
-            <a:endParaRPr sz="2800">
-              <a:solidFill>
-                <a:schemeClr val="dk1"/>
-              </a:solidFill>
-            </a:endParaRPr>
-          </a:p>
-          <a:p>
-            <a:pPr indent="0" lvl="0" marL="0" rtl="0" algn="l">
-              <a:spcBef>
-                <a:spcPts val="1200"/>
-              </a:spcBef>
-              <a:spcAft>
-                <a:spcPts val="0"/>
-              </a:spcAft>
-              <a:buClr>
-                <a:schemeClr val="dk1"/>
-              </a:buClr>
-              <a:buSzPct val="39285"/>
-              <a:buFont typeface="Arial"/>
-              <a:buNone/>
-            </a:pPr>
-            <a:r>
-              <a:rPr lang="ko" sz="2800">
-                <a:solidFill>
-                  <a:schemeClr val="dk1"/>
-                </a:solidFill>
-              </a:rPr>
-              <a:t>	 num1=num1-num2*m_unit01[j];</a:t>
-            </a:r>
-            <a:endParaRPr sz="2800">
-              <a:solidFill>
-                <a:schemeClr val="dk1"/>
-              </a:solidFill>
-            </a:endParaRPr>
-          </a:p>
-          <a:p>
-            <a:pPr indent="0" lvl="0" marL="0" rtl="0" algn="l">
-              <a:spcBef>
-                <a:spcPts val="1200"/>
-              </a:spcBef>
-              <a:spcAft>
-                <a:spcPts val="0"/>
-              </a:spcAft>
-              <a:buClr>
-                <a:schemeClr val="dk1"/>
-              </a:buClr>
-              <a:buSzPct val="39285"/>
-              <a:buFont typeface="Arial"/>
-              <a:buNone/>
-            </a:pPr>
-            <a:r>
-              <a:rPr lang="ko" sz="2800">
-                <a:solidFill>
-                  <a:schemeClr val="dk1"/>
-                </a:solidFill>
-              </a:rPr>
-              <a:t>      }</a:t>
-            </a:r>
-            <a:endParaRPr sz="2800">
-              <a:solidFill>
-                <a:schemeClr val="dk1"/>
-              </a:solidFill>
-            </a:endParaRPr>
-          </a:p>
-          <a:p>
-            <a:pPr indent="0" lvl="0" marL="0" rtl="0" algn="l">
-              <a:spcBef>
-                <a:spcPts val="1200"/>
-              </a:spcBef>
-              <a:spcAft>
-                <a:spcPts val="0"/>
-              </a:spcAft>
-              <a:buClr>
-                <a:schemeClr val="dk1"/>
-              </a:buClr>
-              <a:buSzPct val="39285"/>
-              <a:buFont typeface="Arial"/>
-              <a:buNone/>
-            </a:pPr>
-            <a:r>
-              <a:rPr lang="ko" sz="2800">
-                <a:solidFill>
-                  <a:schemeClr val="dk1"/>
-                </a:solidFill>
-              </a:rPr>
-              <a:t>      printf("%s%s ", unit03[num1], unit01[i]);</a:t>
-            </a:r>
-            <a:endParaRPr sz="2800">
-              <a:solidFill>
-                <a:schemeClr val="dk1"/>
-              </a:solidFill>
-            </a:endParaRPr>
-          </a:p>
-          <a:p>
-            <a:pPr indent="0" lvl="0" marL="0" rtl="0" algn="l">
-              <a:spcBef>
-                <a:spcPts val="1200"/>
-              </a:spcBef>
-              <a:spcAft>
-                <a:spcPts val="0"/>
-              </a:spcAft>
-              <a:buClr>
-                <a:schemeClr val="dk1"/>
-              </a:buClr>
-              <a:buSzPct val="39285"/>
-              <a:buFont typeface="Arial"/>
-              <a:buNone/>
-            </a:pPr>
-            <a:r>
-              <a:rPr lang="ko" sz="2800">
-                <a:solidFill>
-                  <a:schemeClr val="dk1"/>
-                </a:solidFill>
-              </a:rPr>
-              <a:t>      money=money-temp*m_unit[i];</a:t>
-            </a:r>
-            <a:endParaRPr sz="2800">
-              <a:solidFill>
-                <a:schemeClr val="dk1"/>
-              </a:solidFill>
-            </a:endParaRPr>
-          </a:p>
-          <a:p>
-            <a:pPr indent="0" lvl="0" marL="0" rtl="0" algn="l">
-              <a:spcBef>
-                <a:spcPts val="1200"/>
-              </a:spcBef>
-              <a:spcAft>
-                <a:spcPts val="0"/>
-              </a:spcAft>
-              <a:buClr>
-                <a:schemeClr val="dk1"/>
-              </a:buClr>
-              <a:buSzPct val="39285"/>
-              <a:buFont typeface="Arial"/>
-              <a:buNone/>
-            </a:pPr>
-            <a:r>
-              <a:rPr lang="ko" sz="2800">
-                <a:solidFill>
-                  <a:schemeClr val="dk1"/>
-                </a:solidFill>
-              </a:rPr>
-              <a:t>   }</a:t>
-            </a:r>
-            <a:endParaRPr sz="2800">
-              <a:solidFill>
-                <a:schemeClr val="dk1"/>
-              </a:solidFill>
-            </a:endParaRPr>
-          </a:p>
-          <a:p>
-            <a:pPr indent="0" lvl="0" marL="0" rtl="0" algn="l">
-              <a:spcBef>
-                <a:spcPts val="1200"/>
-              </a:spcBef>
-              <a:spcAft>
-                <a:spcPts val="0"/>
-              </a:spcAft>
-              <a:buClr>
-                <a:schemeClr val="dk1"/>
-              </a:buClr>
-              <a:buSzPct val="39285"/>
-              <a:buFont typeface="Arial"/>
-              <a:buNone/>
-            </a:pPr>
-            <a:r>
-              <a:rPr lang="ko" sz="2800">
-                <a:solidFill>
-                  <a:schemeClr val="dk1"/>
-                </a:solidFill>
-              </a:rPr>
-              <a:t>   printf("\n");</a:t>
-            </a:r>
-            <a:endParaRPr sz="2800">
-              <a:solidFill>
-                <a:schemeClr val="dk1"/>
-              </a:solidFill>
-            </a:endParaRPr>
-          </a:p>
-          <a:p>
-            <a:pPr indent="0" lvl="0" marL="0" rtl="0" algn="l">
-              <a:spcBef>
-                <a:spcPts val="1200"/>
-              </a:spcBef>
-              <a:spcAft>
-                <a:spcPts val="0"/>
-              </a:spcAft>
-              <a:buClr>
-                <a:schemeClr val="dk1"/>
-              </a:buClr>
-              <a:buSzPct val="39285"/>
-              <a:buFont typeface="Arial"/>
-              <a:buNone/>
-            </a:pPr>
-            <a:r>
-              <a:rPr lang="ko" sz="2800">
-                <a:solidFill>
-                  <a:schemeClr val="dk1"/>
-                </a:solidFill>
-              </a:rPr>
-              <a:t>}</a:t>
-            </a:r>
-            <a:endParaRPr sz="2800">
-              <a:solidFill>
-                <a:schemeClr val="dk1"/>
-              </a:solidFill>
-            </a:endParaRPr>
-          </a:p>
-          <a:p>
-            <a:pPr indent="0" lvl="0" marL="0" rtl="0" algn="l">
-              <a:spcBef>
-                <a:spcPts val="1200"/>
-              </a:spcBef>
-              <a:spcAft>
-                <a:spcPts val="1200"/>
-              </a:spcAft>
-              <a:buNone/>
-            </a:pPr>
-            <a:r>
-              <a:t/>
+              <a:buNone/>
+            </a:pPr>
+            <a:r>
+              <a:rPr lang="ko"/>
+              <a:t>‘</a:t>
+            </a:r>
+            <a:r>
+              <a:rPr lang="ko"/>
+              <a:t>화폐단위’</a:t>
+            </a:r>
+            <a:endParaRPr/>
+          </a:p>
+          <a:p>
+            <a:pPr indent="0" lvl="0" marL="0" rtl="0" algn="l">
+              <a:spcBef>
+                <a:spcPts val="1200"/>
+              </a:spcBef>
+              <a:spcAft>
+                <a:spcPts val="1200"/>
+              </a:spcAft>
+              <a:buNone/>
+            </a:pPr>
+            <a:r>
+              <a:rPr lang="ko"/>
+              <a:t>한글 금액</a:t>
             </a:r>
             <a:endParaRPr/>
           </a:p>
         </p:txBody>
       </p:sp>
+      <p:pic>
+        <p:nvPicPr>
+          <p:cNvPr id="68" name="Google Shape;68;p15"/>
+          <p:cNvPicPr preferRelativeResize="0"/>
+          <p:nvPr/>
+        </p:nvPicPr>
+        <p:blipFill>
+          <a:blip r:embed="rId3">
+            <a:alphaModFix/>
+          </a:blip>
+          <a:stretch>
+            <a:fillRect/>
+          </a:stretch>
+        </p:blipFill>
+        <p:spPr>
+          <a:xfrm>
+            <a:off x="2074088" y="1220900"/>
+            <a:ext cx="2619375" cy="781050"/>
+          </a:xfrm>
+          <a:prstGeom prst="rect">
+            <a:avLst/>
+          </a:prstGeom>
+          <a:noFill/>
+          <a:ln>
+            <a:noFill/>
+          </a:ln>
+        </p:spPr>
+      </p:pic>
     </p:spTree>
   </p:cSld>
   <p:clrMapOvr>
@@ -7320,7 +7436,7 @@
   <p:cSld>
     <p:spTree>
       <p:nvGrpSpPr>
-        <p:cNvPr id="71" name="Shape 71"/>
+        <p:cNvPr id="72" name="Shape 72"/>
         <p:cNvGrpSpPr/>
         <p:nvPr/>
       </p:nvGrpSpPr>
@@ -7334,7 +7450,7 @@
       </p:grpSpPr>
       <p:sp>
         <p:nvSpPr>
-          <p:cNvPr id="72" name="Google Shape;72;p16"/>
+          <p:cNvPr id="73" name="Google Shape;73;p16"/>
           <p:cNvSpPr txBox="1"/>
           <p:nvPr>
             <p:ph type="title"/>
@@ -7365,8 +7481,7 @@
               <a:buNone/>
             </a:pPr>
             <a:r>
-              <a:rPr lang="ko"/>
-              <a:t>변경코드</a:t>
+              <a:t/>
             </a:r>
             <a:endParaRPr/>
           </a:p>
@@ -7374,7 +7489,204 @@
       </p:sp>
       <p:sp>
         <p:nvSpPr>
-          <p:cNvPr id="73" name="Google Shape;73;p16"/>
+          <p:cNvPr id="74" name="Google Shape;74;p16"/>
+          <p:cNvSpPr txBox="1"/>
+          <p:nvPr>
+            <p:ph idx="1" type="body"/>
+          </p:nvPr>
+        </p:nvSpPr>
+        <p:spPr>
+          <a:xfrm>
+            <a:off x="311700" y="1152475"/>
+            <a:ext cx="8520600" cy="3416400"/>
+          </a:xfrm>
+          <a:prstGeom prst="rect">
+            <a:avLst/>
+          </a:prstGeom>
+        </p:spPr>
+        <p:txBody>
+          <a:bodyPr anchorCtr="0" anchor="t" bIns="91425" lIns="91425" spcFirstLastPara="1" rIns="91425" wrap="square" tIns="91425">
+            <a:normAutofit/>
+          </a:bodyPr>
+          <a:lstStyle/>
+          <a:p>
+            <a:pPr indent="0" lvl="0" marL="0" rtl="0" algn="l">
+              <a:spcBef>
+                <a:spcPts val="0"/>
+              </a:spcBef>
+              <a:spcAft>
+                <a:spcPts val="0"/>
+              </a:spcAft>
+              <a:buNone/>
+            </a:pPr>
+            <a:r>
+              <a:rPr lang="ko"/>
+              <a:t>콤마 출력(입력받은 숫자 보기 편하게)</a:t>
+            </a:r>
+            <a:endParaRPr/>
+          </a:p>
+          <a:p>
+            <a:pPr indent="0" lvl="0" marL="0" rtl="0" algn="l">
+              <a:spcBef>
+                <a:spcPts val="1200"/>
+              </a:spcBef>
+              <a:spcAft>
+                <a:spcPts val="0"/>
+              </a:spcAft>
+              <a:buNone/>
+            </a:pPr>
+            <a:r>
+              <a:rPr lang="ko"/>
+              <a:t>“일”생략 규칙 생성</a:t>
+            </a:r>
+            <a:endParaRPr/>
+          </a:p>
+          <a:p>
+            <a:pPr indent="0" lvl="0" marL="0" rtl="0" algn="l">
+              <a:spcBef>
+                <a:spcPts val="1200"/>
+              </a:spcBef>
+              <a:spcAft>
+                <a:spcPts val="0"/>
+              </a:spcAft>
+              <a:buNone/>
+            </a:pPr>
+            <a:r>
+              <a:rPr lang="ko"/>
+              <a:t>불필요한 공백 삭제</a:t>
+            </a:r>
+            <a:endParaRPr/>
+          </a:p>
+          <a:p>
+            <a:pPr indent="0" lvl="0" marL="0" rtl="0" algn="l">
+              <a:spcBef>
+                <a:spcPts val="1200"/>
+              </a:spcBef>
+              <a:spcAft>
+                <a:spcPts val="0"/>
+              </a:spcAft>
+              <a:buNone/>
+            </a:pPr>
+            <a:r>
+              <a:rPr lang="ko"/>
+              <a:t>한글 금액 출력</a:t>
+            </a:r>
+            <a:endParaRPr/>
+          </a:p>
+          <a:p>
+            <a:pPr indent="0" lvl="0" marL="0" rtl="0" algn="l">
+              <a:spcBef>
+                <a:spcPts val="1200"/>
+              </a:spcBef>
+              <a:spcAft>
+                <a:spcPts val="1200"/>
+              </a:spcAft>
+              <a:buNone/>
+            </a:pPr>
+            <a:r>
+              <a:rPr lang="ko"/>
+              <a:t>음수/잘못된 값 입력시 에러 표시</a:t>
+            </a:r>
+            <a:endParaRPr/>
+          </a:p>
+        </p:txBody>
+      </p:sp>
+      <p:pic>
+        <p:nvPicPr>
+          <p:cNvPr id="75" name="Google Shape;75;p16"/>
+          <p:cNvPicPr preferRelativeResize="0"/>
+          <p:nvPr/>
+        </p:nvPicPr>
+        <p:blipFill>
+          <a:blip r:embed="rId3">
+            <a:alphaModFix/>
+          </a:blip>
+          <a:stretch>
+            <a:fillRect/>
+          </a:stretch>
+        </p:blipFill>
+        <p:spPr>
+          <a:xfrm>
+            <a:off x="4487063" y="1291550"/>
+            <a:ext cx="2676525" cy="704850"/>
+          </a:xfrm>
+          <a:prstGeom prst="rect">
+            <a:avLst/>
+          </a:prstGeom>
+          <a:noFill/>
+          <a:ln>
+            <a:noFill/>
+          </a:ln>
+        </p:spPr>
+      </p:pic>
+    </p:spTree>
+  </p:cSld>
+  <p:clrMapOvr>
+    <a:masterClrMapping/>
+  </p:clrMapOvr>
+</p:sld>
+</file>
+
+<file path=ppt/slides/slide5.xml><?xml version="1.0" encoding="utf-8"?>
+<p:sld xmlns:a="http://schemas.openxmlformats.org/drawingml/2006/main" xmlns:r="http://schemas.openxmlformats.org/officeDocument/2006/relationships" xmlns:mc="http://schemas.openxmlformats.org/markup-compatibility/2006" xmlns:mv="urn:schemas-microsoft-com:mac:vml" xmlns:p="http://schemas.openxmlformats.org/presentationml/2006/main" xmlns:c="http://schemas.openxmlformats.org/drawingml/2006/chart" xmlns:dgm="http://schemas.openxmlformats.org/drawingml/2006/diagram" xmlns:o="urn:schemas-microsoft-com:office:office" xmlns:v="urn:schemas-microsoft-com:vml" xmlns:pvml="urn:schemas-microsoft-com:office:powerpoint" xmlns:com="http://schemas.openxmlformats.org/drawingml/2006/compatibility" xmlns:p14="http://schemas.microsoft.com/office/powerpoint/2010/main" xmlns:p15="http://schemas.microsoft.com/office/powerpoint/2012/main" xmlns:ahyp="http://schemas.microsoft.com/office/drawing/2018/hyperlinkcolor">
+  <p:cSld>
+    <p:spTree>
+      <p:nvGrpSpPr>
+        <p:cNvPr id="79" name="Shape 79"/>
+        <p:cNvGrpSpPr/>
+        <p:nvPr/>
+      </p:nvGrpSpPr>
+      <p:grpSpPr>
+        <a:xfrm>
+          <a:off x="0" y="0"/>
+          <a:ext cx="0" cy="0"/>
+          <a:chOff x="0" y="0"/>
+          <a:chExt cx="0" cy="0"/>
+        </a:xfrm>
+      </p:grpSpPr>
+      <p:sp>
+        <p:nvSpPr>
+          <p:cNvPr id="80" name="Google Shape;80;p17"/>
+          <p:cNvSpPr txBox="1"/>
+          <p:nvPr>
+            <p:ph type="title"/>
+          </p:nvPr>
+        </p:nvSpPr>
+        <p:spPr>
+          <a:xfrm>
+            <a:off x="311700" y="445025"/>
+            <a:ext cx="8520600" cy="572700"/>
+          </a:xfrm>
+          <a:prstGeom prst="rect">
+            <a:avLst/>
+          </a:prstGeom>
+        </p:spPr>
+        <p:txBody>
+          <a:bodyPr anchorCtr="0" anchor="t" bIns="91425" lIns="91425" spcFirstLastPara="1" rIns="91425" wrap="square" tIns="91425">
+            <a:normAutofit fontScale="90000"/>
+          </a:bodyPr>
+          <a:lstStyle/>
+          <a:p>
+            <a:pPr indent="0" lvl="0" marL="0" rtl="0" algn="l">
+              <a:spcBef>
+                <a:spcPts val="0"/>
+              </a:spcBef>
+              <a:spcAft>
+                <a:spcPts val="0"/>
+              </a:spcAft>
+              <a:buNone/>
+            </a:pPr>
+            <a:r>
+              <a:rPr lang="ko"/>
+              <a:t>변경코드</a:t>
+            </a:r>
+            <a:endParaRPr/>
+          </a:p>
+        </p:txBody>
+      </p:sp>
+      <p:sp>
+        <p:nvSpPr>
+          <p:cNvPr id="81" name="Google Shape;81;p17"/>
           <p:cNvSpPr txBox="1"/>
           <p:nvPr>
             <p:ph idx="1" type="body"/>
@@ -10137,6 +10449,285 @@
 </file>
 
 <file path=ppt/theme/theme1.xml><?xml version="1.0" encoding="utf-8"?>
+<a:theme xmlns:a="http://schemas.openxmlformats.org/drawingml/2006/main" xmlns:r="http://schemas.openxmlformats.org/officeDocument/2006/relationships" name="Simple Light">
+  <a:themeElements>
+    <a:clrScheme name="Simple Light">
+      <a:dk1>
+        <a:srgbClr val="000000"/>
+      </a:dk1>
+      <a:lt1>
+        <a:srgbClr val="FFFFFF"/>
+      </a:lt1>
+      <a:dk2>
+        <a:srgbClr val="595959"/>
+      </a:dk2>
+      <a:lt2>
+        <a:srgbClr val="EEEEEE"/>
+      </a:lt2>
+      <a:accent1>
+        <a:srgbClr val="4285F4"/>
+      </a:accent1>
+      <a:accent2>
+        <a:srgbClr val="212121"/>
+      </a:accent2>
+      <a:accent3>
+        <a:srgbClr val="78909C"/>
+      </a:accent3>
+      <a:accent4>
+        <a:srgbClr val="FFAB40"/>
+      </a:accent4>
+      <a:accent5>
+        <a:srgbClr val="0097A7"/>
+      </a:accent5>
+      <a:accent6>
+        <a:srgbClr val="EEFF41"/>
+      </a:accent6>
+      <a:hlink>
+        <a:srgbClr val="0097A7"/>
+      </a:hlink>
+      <a:folHlink>
+        <a:srgbClr val="0097A7"/>
+      </a:folHlink>
+    </a:clrScheme>
+    <a:fontScheme name="Office">
+      <a:majorFont>
+        <a:latin typeface="Arial"/>
+        <a:ea typeface=""/>
+        <a:cs typeface=""/>
+        <a:font script="Jpan" typeface="ＭＳ Ｐゴシック"/>
+        <a:font script="Hang" typeface="맑은 고딕"/>
+        <a:font script="Hans" typeface="宋体"/>
+        <a:font script="Hant" typeface="新細明體"/>
+        <a:font script="Arab" typeface="Times New Roman"/>
+        <a:font script="Hebr" typeface="Times New Roman"/>
+        <a:font script="Thai" typeface="Angsana New"/>
+        <a:font script="Ethi" typeface="Nyala"/>
+        <a:font script="Beng" typeface="Vrinda"/>
+        <a:font script="Gujr" typeface="Shruti"/>
+        <a:font script="Khmr" typeface="MoolBoran"/>
+        <a:font script="Knda" typeface="Tunga"/>
+        <a:font script="Guru" typeface="Raavi"/>
+        <a:font script="Cans" typeface="Euphemia"/>
+        <a:font script="Cher" typeface="Plantagenet Cherokee"/>
+        <a:font script="Yiii" typeface="Microsoft Yi Baiti"/>
+        <a:font script="Tibt" typeface="Microsoft Himalaya"/>
+        <a:font script="Thaa" typeface="MV Boli"/>
+        <a:font script="Deva" typeface="Mangal"/>
+        <a:font script="Telu" typeface="Gautami"/>
+        <a:font script="Taml" typeface="Latha"/>
+        <a:font script="Syrc" typeface="Estrangelo Edessa"/>
+        <a:font script="Orya" typeface="Kalinga"/>
+        <a:font script="Mlym" typeface="Kartika"/>
+        <a:font script="Laoo" typeface="DokChampa"/>
+        <a:font script="Sinh" typeface="Iskoola Pota"/>
+        <a:font script="Mong" typeface="Mongolian Baiti"/>
+        <a:font script="Viet" typeface="Times New Roman"/>
+        <a:font script="Uigh" typeface="Microsoft Uighur"/>
+        <a:font script="Geor" typeface="Sylfaen"/>
+      </a:majorFont>
+      <a:minorFont>
+        <a:latin typeface="Arial"/>
+        <a:ea typeface=""/>
+        <a:cs typeface=""/>
+        <a:font script="Jpan" typeface="ＭＳ Ｐゴシック"/>
+        <a:font script="Hang" typeface="맑은 고딕"/>
+        <a:font script="Hans" typeface="宋体"/>
+        <a:font script="Hant" typeface="新細明體"/>
+        <a:font script="Arab" typeface="Arial"/>
+        <a:font script="Hebr" typeface="Arial"/>
+        <a:font script="Thai" typeface="Cordia New"/>
+        <a:font script="Ethi" typeface="Nyala"/>
+        <a:font script="Beng" typeface="Vrinda"/>
+        <a:font script="Gujr" typeface="Shruti"/>
+        <a:font script="Khmr" typeface="DaunPenh"/>
+        <a:font script="Knda" typeface="Tunga"/>
+        <a:font script="Guru" typeface="Raavi"/>
+        <a:font script="Cans" typeface="Euphemia"/>
+        <a:font script="Cher" typeface="Plantagenet Cherokee"/>
+        <a:font script="Yiii" typeface="Microsoft Yi Baiti"/>
+        <a:font script="Tibt" typeface="Microsoft Himalaya"/>
+        <a:font script="Thaa" typeface="MV Boli"/>
+        <a:font script="Deva" typeface="Mangal"/>
+        <a:font script="Telu" typeface="Gautami"/>
+        <a:font script="Taml" typeface="Latha"/>
+        <a:font script="Syrc" typeface="Estrangelo Edessa"/>
+        <a:font script="Orya" typeface="Kalinga"/>
+        <a:font script="Mlym" typeface="Kartika"/>
+        <a:font script="Laoo" typeface="DokChampa"/>
+        <a:font script="Sinh" typeface="Iskoola Pota"/>
+        <a:font script="Mong" typeface="Mongolian Baiti"/>
+        <a:font script="Viet" typeface="Arial"/>
+        <a:font script="Uigh" typeface="Microsoft Uighur"/>
+        <a:font script="Geor" typeface="Sylfaen"/>
+      </a:minorFont>
+    </a:fontScheme>
+    <a:fmtScheme name="Office">
+      <a:fillStyleLst>
+        <a:solidFill>
+          <a:schemeClr val="phClr"/>
+        </a:solidFill>
+        <a:gradFill rotWithShape="1">
+          <a:gsLst>
+            <a:gs pos="0">
+              <a:schemeClr val="phClr">
+                <a:tint val="50000"/>
+                <a:satMod val="300000"/>
+              </a:schemeClr>
+            </a:gs>
+            <a:gs pos="35000">
+              <a:schemeClr val="phClr">
+                <a:tint val="37000"/>
+                <a:satMod val="300000"/>
+              </a:schemeClr>
+            </a:gs>
+            <a:gs pos="100000">
+              <a:schemeClr val="phClr">
+                <a:tint val="15000"/>
+                <a:satMod val="350000"/>
+              </a:schemeClr>
+            </a:gs>
+          </a:gsLst>
+          <a:lin ang="16200000" scaled="1"/>
+        </a:gradFill>
+        <a:gradFill rotWithShape="1">
+          <a:gsLst>
+            <a:gs pos="0">
+              <a:schemeClr val="phClr">
+                <a:tint val="100000"/>
+                <a:shade val="100000"/>
+                <a:satMod val="130000"/>
+              </a:schemeClr>
+            </a:gs>
+            <a:gs pos="100000">
+              <a:schemeClr val="phClr">
+                <a:tint val="50000"/>
+                <a:shade val="100000"/>
+                <a:satMod val="350000"/>
+              </a:schemeClr>
+            </a:gs>
+          </a:gsLst>
+          <a:lin ang="16200000" scaled="0"/>
+        </a:gradFill>
+      </a:fillStyleLst>
+      <a:lnStyleLst>
+        <a:ln w="9525" cap="flat" cmpd="sng" algn="ctr">
+          <a:solidFill>
+            <a:schemeClr val="phClr">
+              <a:shade val="95000"/>
+              <a:satMod val="105000"/>
+            </a:schemeClr>
+          </a:solidFill>
+          <a:prstDash val="solid"/>
+        </a:ln>
+        <a:ln w="25400" cap="flat" cmpd="sng" algn="ctr">
+          <a:solidFill>
+            <a:schemeClr val="phClr"/>
+          </a:solidFill>
+          <a:prstDash val="solid"/>
+        </a:ln>
+        <a:ln w="38100" cap="flat" cmpd="sng" algn="ctr">
+          <a:solidFill>
+            <a:schemeClr val="phClr"/>
+          </a:solidFill>
+          <a:prstDash val="solid"/>
+        </a:ln>
+      </a:lnStyleLst>
+      <a:effectStyleLst>
+        <a:effectStyle>
+          <a:effectLst>
+            <a:outerShdw blurRad="40000" dist="20000" dir="5400000" rotWithShape="0">
+              <a:srgbClr val="000000">
+                <a:alpha val="38000"/>
+              </a:srgbClr>
+            </a:outerShdw>
+          </a:effectLst>
+        </a:effectStyle>
+        <a:effectStyle>
+          <a:effectLst>
+            <a:outerShdw blurRad="40000" dist="23000" dir="5400000" rotWithShape="0">
+              <a:srgbClr val="000000">
+                <a:alpha val="35000"/>
+              </a:srgbClr>
+            </a:outerShdw>
+          </a:effectLst>
+        </a:effectStyle>
+        <a:effectStyle>
+          <a:effectLst>
+            <a:outerShdw blurRad="40000" dist="23000" dir="5400000" rotWithShape="0">
+              <a:srgbClr val="000000">
+                <a:alpha val="35000"/>
+              </a:srgbClr>
+            </a:outerShdw>
+          </a:effectLst>
+          <a:scene3d>
+            <a:camera prst="orthographicFront">
+              <a:rot lat="0" lon="0" rev="0"/>
+            </a:camera>
+            <a:lightRig rig="threePt" dir="t">
+              <a:rot lat="0" lon="0" rev="1200000"/>
+            </a:lightRig>
+          </a:scene3d>
+          <a:sp3d>
+            <a:bevelT w="63500" h="25400"/>
+          </a:sp3d>
+        </a:effectStyle>
+      </a:effectStyleLst>
+      <a:bgFillStyleLst>
+        <a:solidFill>
+          <a:schemeClr val="phClr"/>
+        </a:solidFill>
+        <a:gradFill rotWithShape="1">
+          <a:gsLst>
+            <a:gs pos="0">
+              <a:schemeClr val="phClr">
+                <a:tint val="40000"/>
+                <a:satMod val="350000"/>
+              </a:schemeClr>
+            </a:gs>
+            <a:gs pos="40000">
+              <a:schemeClr val="phClr">
+                <a:tint val="45000"/>
+                <a:shade val="99000"/>
+                <a:satMod val="350000"/>
+              </a:schemeClr>
+            </a:gs>
+            <a:gs pos="100000">
+              <a:schemeClr val="phClr">
+                <a:shade val="20000"/>
+                <a:satMod val="255000"/>
+              </a:schemeClr>
+            </a:gs>
+          </a:gsLst>
+          <a:path path="circle">
+            <a:fillToRect l="50000" t="-80000" r="50000" b="180000"/>
+          </a:path>
+        </a:gradFill>
+        <a:gradFill rotWithShape="1">
+          <a:gsLst>
+            <a:gs pos="0">
+              <a:schemeClr val="phClr">
+                <a:tint val="80000"/>
+                <a:satMod val="300000"/>
+              </a:schemeClr>
+            </a:gs>
+            <a:gs pos="100000">
+              <a:schemeClr val="phClr">
+                <a:shade val="30000"/>
+                <a:satMod val="200000"/>
+              </a:schemeClr>
+            </a:gs>
+          </a:gsLst>
+          <a:path path="circle">
+            <a:fillToRect l="50000" t="50000" r="50000" b="50000"/>
+          </a:path>
+        </a:gradFill>
+      </a:bgFillStyleLst>
+    </a:fmtScheme>
+  </a:themeElements>
+</a:theme>
+</file>
+
+<file path=ppt/theme/theme2.xml><?xml version="1.0" encoding="utf-8"?>
 <a:theme xmlns:a="http://schemas.openxmlformats.org/drawingml/2006/main" xmlns:r="http://schemas.openxmlformats.org/officeDocument/2006/relationships">
   <a:themeElements>
     <a:clrScheme name="Default">
@@ -10413,283 +11004,4 @@
     </a:fmtScheme>
   </a:themeElements>
 </a:theme>
-</file>
-
-<file path=ppt/theme/theme2.xml><?xml version="1.0" encoding="utf-8"?>
-<a:theme xmlns:a="http://schemas.openxmlformats.org/drawingml/2006/main" xmlns:r="http://schemas.openxmlformats.org/officeDocument/2006/relationships" name="Simple Light">
-  <a:themeElements>
-    <a:clrScheme name="Simple Light">
-      <a:dk1>
-        <a:srgbClr val="000000"/>
-      </a:dk1>
-      <a:lt1>
-        <a:srgbClr val="FFFFFF"/>
-      </a:lt1>
-      <a:dk2>
-        <a:srgbClr val="595959"/>
-      </a:dk2>
-      <a:lt2>
-        <a:srgbClr val="EEEEEE"/>
-      </a:lt2>
-      <a:accent1>
-        <a:srgbClr val="4285F4"/>
-      </a:accent1>
-      <a:accent2>
-        <a:srgbClr val="212121"/>
-      </a:accent2>
-      <a:accent3>
-        <a:srgbClr val="78909C"/>
-      </a:accent3>
-      <a:accent4>
-        <a:srgbClr val="FFAB40"/>
-      </a:accent4>
-      <a:accent5>
-        <a:srgbClr val="0097A7"/>
-      </a:accent5>
-      <a:accent6>
-        <a:srgbClr val="EEFF41"/>
-      </a:accent6>
-      <a:hlink>
-        <a:srgbClr val="0097A7"/>
-      </a:hlink>
-      <a:folHlink>
-        <a:srgbClr val="0097A7"/>
-      </a:folHlink>
-    </a:clrScheme>
-    <a:fontScheme name="Office">
-      <a:majorFont>
-        <a:latin typeface="Arial"/>
-        <a:ea typeface=""/>
-        <a:cs typeface=""/>
-        <a:font script="Jpan" typeface="ＭＳ Ｐゴシック"/>
-        <a:font script="Hang" typeface="맑은 고딕"/>
-        <a:font script="Hans" typeface="宋体"/>
-        <a:font script="Hant" typeface="新細明體"/>
-        <a:font script="Arab" typeface="Times New Roman"/>
-        <a:font script="Hebr" typeface="Times New Roman"/>
-        <a:font script="Thai" typeface="Angsana New"/>
-        <a:font script="Ethi" typeface="Nyala"/>
-        <a:font script="Beng" typeface="Vrinda"/>
-        <a:font script="Gujr" typeface="Shruti"/>
-        <a:font script="Khmr" typeface="MoolBoran"/>
-        <a:font script="Knda" typeface="Tunga"/>
-        <a:font script="Guru" typeface="Raavi"/>
-        <a:font script="Cans" typeface="Euphemia"/>
-        <a:font script="Cher" typeface="Plantagenet Cherokee"/>
-        <a:font script="Yiii" typeface="Microsoft Yi Baiti"/>
-        <a:font script="Tibt" typeface="Microsoft Himalaya"/>
-        <a:font script="Thaa" typeface="MV Boli"/>
-        <a:font script="Deva" typeface="Mangal"/>
-        <a:font script="Telu" typeface="Gautami"/>
-        <a:font script="Taml" typeface="Latha"/>
-        <a:font script="Syrc" typeface="Estrangelo Edessa"/>
-        <a:font script="Orya" typeface="Kalinga"/>
-        <a:font script="Mlym" typeface="Kartika"/>
-        <a:font script="Laoo" typeface="DokChampa"/>
-        <a:font script="Sinh" typeface="Iskoola Pota"/>
-        <a:font script="Mong" typeface="Mongolian Baiti"/>
-        <a:font script="Viet" typeface="Times New Roman"/>
-        <a:font script="Uigh" typeface="Microsoft Uighur"/>
-        <a:font script="Geor" typeface="Sylfaen"/>
-      </a:majorFont>
-      <a:minorFont>
-        <a:latin typeface="Arial"/>
-        <a:ea typeface=""/>
-        <a:cs typeface=""/>
-        <a:font script="Jpan" typeface="ＭＳ Ｐゴシック"/>
-        <a:font script="Hang" typeface="맑은 고딕"/>
-        <a:font script="Hans" typeface="宋体"/>
-        <a:font script="Hant" typeface="新細明體"/>
-        <a:font script="Arab" typeface="Arial"/>
-        <a:font script="Hebr" typeface="Arial"/>
-        <a:font script="Thai" typeface="Cordia New"/>
-        <a:font script="Ethi" typeface="Nyala"/>
-        <a:font script="Beng" typeface="Vrinda"/>
-        <a:font script="Gujr" typeface="Shruti"/>
-        <a:font script="Khmr" typeface="DaunPenh"/>
-        <a:font script="Knda" typeface="Tunga"/>
-        <a:font script="Guru" typeface="Raavi"/>
-        <a:font script="Cans" typeface="Euphemia"/>
-        <a:font script="Cher" typeface="Plantagenet Cherokee"/>
-        <a:font script="Yiii" typeface="Microsoft Yi Baiti"/>
-        <a:font script="Tibt" typeface="Microsoft Himalaya"/>
-        <a:font script="Thaa" typeface="MV Boli"/>
-        <a:font script="Deva" typeface="Mangal"/>
-        <a:font script="Telu" typeface="Gautami"/>
-        <a:font script="Taml" typeface="Latha"/>
-        <a:font script="Syrc" typeface="Estrangelo Edessa"/>
-        <a:font script="Orya" typeface="Kalinga"/>
-        <a:font script="Mlym" typeface="Kartika"/>
-        <a:font script="Laoo" typeface="DokChampa"/>
-        <a:font script="Sinh" typeface="Iskoola Pota"/>
-        <a:font script="Mong" typeface="Mongolian Baiti"/>
-        <a:font script="Viet" typeface="Arial"/>
-        <a:font script="Uigh" typeface="Microsoft Uighur"/>
-        <a:font script="Geor" typeface="Sylfaen"/>
-      </a:minorFont>
-    </a:fontScheme>
-    <a:fmtScheme name="Office">
-      <a:fillStyleLst>
-        <a:solidFill>
-          <a:schemeClr val="phClr"/>
-        </a:solidFill>
-        <a:gradFill rotWithShape="1">
-          <a:gsLst>
-            <a:gs pos="0">
-              <a:schemeClr val="phClr">
-                <a:tint val="50000"/>
-                <a:satMod val="300000"/>
-              </a:schemeClr>
-            </a:gs>
-            <a:gs pos="35000">
-              <a:schemeClr val="phClr">
-                <a:tint val="37000"/>
-                <a:satMod val="300000"/>
-              </a:schemeClr>
-            </a:gs>
-            <a:gs pos="100000">
-              <a:schemeClr val="phClr">
-                <a:tint val="15000"/>
-                <a:satMod val="350000"/>
-              </a:schemeClr>
-            </a:gs>
-          </a:gsLst>
-          <a:lin ang="16200000" scaled="1"/>
-        </a:gradFill>
-        <a:gradFill rotWithShape="1">
-          <a:gsLst>
-            <a:gs pos="0">
-              <a:schemeClr val="phClr">
-                <a:tint val="100000"/>
-                <a:shade val="100000"/>
-                <a:satMod val="130000"/>
-              </a:schemeClr>
-            </a:gs>
-            <a:gs pos="100000">
-              <a:schemeClr val="phClr">
-                <a:tint val="50000"/>
-                <a:shade val="100000"/>
-                <a:satMod val="350000"/>
-              </a:schemeClr>
-            </a:gs>
-          </a:gsLst>
-          <a:lin ang="16200000" scaled="0"/>
-        </a:gradFill>
-      </a:fillStyleLst>
-      <a:lnStyleLst>
-        <a:ln w="9525" cap="flat" cmpd="sng" algn="ctr">
-          <a:solidFill>
-            <a:schemeClr val="phClr">
-              <a:shade val="95000"/>
-              <a:satMod val="105000"/>
-            </a:schemeClr>
-          </a:solidFill>
-          <a:prstDash val="solid"/>
-        </a:ln>
-        <a:ln w="25400" cap="flat" cmpd="sng" algn="ctr">
-          <a:solidFill>
-            <a:schemeClr val="phClr"/>
-          </a:solidFill>
-          <a:prstDash val="solid"/>
-        </a:ln>
-        <a:ln w="38100" cap="flat" cmpd="sng" algn="ctr">
-          <a:solidFill>
-            <a:schemeClr val="phClr"/>
-          </a:solidFill>
-          <a:prstDash val="solid"/>
-        </a:ln>
-      </a:lnStyleLst>
-      <a:effectStyleLst>
-        <a:effectStyle>
-          <a:effectLst>
-            <a:outerShdw blurRad="40000" dist="20000" dir="5400000" rotWithShape="0">
-              <a:srgbClr val="000000">
-                <a:alpha val="38000"/>
-              </a:srgbClr>
-            </a:outerShdw>
-          </a:effectLst>
-        </a:effectStyle>
-        <a:effectStyle>
-          <a:effectLst>
-            <a:outerShdw blurRad="40000" dist="23000" dir="5400000" rotWithShape="0">
-              <a:srgbClr val="000000">
-                <a:alpha val="35000"/>
-              </a:srgbClr>
-            </a:outerShdw>
-          </a:effectLst>
-        </a:effectStyle>
-        <a:effectStyle>
-          <a:effectLst>
-            <a:outerShdw blurRad="40000" dist="23000" dir="5400000" rotWithShape="0">
-              <a:srgbClr val="000000">
-                <a:alpha val="35000"/>
-              </a:srgbClr>
-            </a:outerShdw>
-          </a:effectLst>
-          <a:scene3d>
-            <a:camera prst="orthographicFront">
-              <a:rot lat="0" lon="0" rev="0"/>
-            </a:camera>
-            <a:lightRig rig="threePt" dir="t">
-              <a:rot lat="0" lon="0" rev="1200000"/>
-            </a:lightRig>
-          </a:scene3d>
-          <a:sp3d>
-            <a:bevelT w="63500" h="25400"/>
-          </a:sp3d>
-        </a:effectStyle>
-      </a:effectStyleLst>
-      <a:bgFillStyleLst>
-        <a:solidFill>
-          <a:schemeClr val="phClr"/>
-        </a:solidFill>
-        <a:gradFill rotWithShape="1">
-          <a:gsLst>
-            <a:gs pos="0">
-              <a:schemeClr val="phClr">
-                <a:tint val="40000"/>
-                <a:satMod val="350000"/>
-              </a:schemeClr>
-            </a:gs>
-            <a:gs pos="40000">
-              <a:schemeClr val="phClr">
-                <a:tint val="45000"/>
-                <a:shade val="99000"/>
-                <a:satMod val="350000"/>
-              </a:schemeClr>
-            </a:gs>
-            <a:gs pos="100000">
-              <a:schemeClr val="phClr">
-                <a:shade val="20000"/>
-                <a:satMod val="255000"/>
-              </a:schemeClr>
-            </a:gs>
-          </a:gsLst>
-          <a:path path="circle">
-            <a:fillToRect l="50000" t="-80000" r="50000" b="180000"/>
-          </a:path>
-        </a:gradFill>
-        <a:gradFill rotWithShape="1">
-          <a:gsLst>
-            <a:gs pos="0">
-              <a:schemeClr val="phClr">
-                <a:tint val="80000"/>
-                <a:satMod val="300000"/>
-              </a:schemeClr>
-            </a:gs>
-            <a:gs pos="100000">
-              <a:schemeClr val="phClr">
-                <a:shade val="30000"/>
-                <a:satMod val="200000"/>
-              </a:schemeClr>
-            </a:gs>
-          </a:gsLst>
-          <a:path path="circle">
-            <a:fillToRect l="50000" t="50000" r="50000" b="50000"/>
-          </a:path>
-        </a:gradFill>
-      </a:bgFillStyleLst>
-    </a:fmtScheme>
-  </a:themeElements>
-</a:theme>
 </file>